--- a/рубеж 3/презы/ЦАП.pptx
+++ b/рубеж 3/презы/ЦАП.pptx
@@ -6,6 +6,23 @@
   </p:sldMasterIdLst>
   <p:sldIdLst>
     <p:sldId id="256" r:id="rId2"/>
+    <p:sldId id="260" r:id="rId3"/>
+    <p:sldId id="261" r:id="rId4"/>
+    <p:sldId id="262" r:id="rId5"/>
+    <p:sldId id="263" r:id="rId6"/>
+    <p:sldId id="264" r:id="rId7"/>
+    <p:sldId id="265" r:id="rId8"/>
+    <p:sldId id="266" r:id="rId9"/>
+    <p:sldId id="267" r:id="rId10"/>
+    <p:sldId id="268" r:id="rId11"/>
+    <p:sldId id="269" r:id="rId12"/>
+    <p:sldId id="270" r:id="rId13"/>
+    <p:sldId id="271" r:id="rId14"/>
+    <p:sldId id="272" r:id="rId15"/>
+    <p:sldId id="273" r:id="rId16"/>
+    <p:sldId id="274" r:id="rId17"/>
+    <p:sldId id="275" r:id="rId18"/>
+    <p:sldId id="276" r:id="rId19"/>
   </p:sldIdLst>
   <p:sldSz cx="12192000" cy="6858000"/>
   <p:notesSz cx="6858000" cy="9144000"/>
@@ -104,6 +121,11 @@
       </a:defRPr>
     </a:lvl9pPr>
   </p:defaultTextStyle>
+  <p:extLst>
+    <p:ext uri="{EFAFB233-063F-42B5-8137-9DF3F51BA10A}">
+      <p15:sldGuideLst xmlns:p15="http://schemas.microsoft.com/office/powerpoint/2012/main"/>
+    </p:ext>
+  </p:extLst>
 </p:presentation>
 </file>
 
@@ -2964,10 +2986,1683 @@
           <a:chExt cx="0" cy="0"/>
         </a:xfrm>
       </p:grpSpPr>
+      <p:pic>
+        <p:nvPicPr>
+          <p:cNvPr id="3" name="Рисунок 2"/>
+          <p:cNvPicPr>
+            <a:picLocks noChangeAspect="1"/>
+          </p:cNvPicPr>
+          <p:nvPr/>
+        </p:nvPicPr>
+        <p:blipFill>
+          <a:blip r:embed="rId2"/>
+          <a:stretch>
+            <a:fillRect/>
+          </a:stretch>
+        </p:blipFill>
+        <p:spPr>
+          <a:xfrm>
+            <a:off x="2997087" y="584200"/>
+            <a:ext cx="7034325" cy="5708650"/>
+          </a:xfrm>
+          <a:prstGeom prst="rect">
+            <a:avLst/>
+          </a:prstGeom>
+        </p:spPr>
+      </p:pic>
+      <p:sp>
+        <p:nvSpPr>
+          <p:cNvPr id="4" name="Овал 3"/>
+          <p:cNvSpPr/>
+          <p:nvPr/>
+        </p:nvSpPr>
+        <p:spPr>
+          <a:xfrm>
+            <a:off x="3358046" y="1175613"/>
+            <a:ext cx="668104" cy="310551"/>
+          </a:xfrm>
+          <a:prstGeom prst="ellipse">
+            <a:avLst/>
+          </a:prstGeom>
+          <a:noFill/>
+          <a:ln w="38100">
+            <a:solidFill>
+              <a:srgbClr val="FF0000"/>
+            </a:solidFill>
+          </a:ln>
+        </p:spPr>
+        <p:style>
+          <a:lnRef idx="0">
+            <a:scrgbClr r="0" g="0" b="0"/>
+          </a:lnRef>
+          <a:fillRef idx="0">
+            <a:scrgbClr r="0" g="0" b="0"/>
+          </a:fillRef>
+          <a:effectRef idx="0">
+            <a:scrgbClr r="0" g="0" b="0"/>
+          </a:effectRef>
+          <a:fontRef idx="minor">
+            <a:schemeClr val="accent2"/>
+          </a:fontRef>
+        </p:style>
+        <p:txBody>
+          <a:bodyPr rtlCol="0" anchor="ctr"/>
+          <a:lstStyle/>
+          <a:p>
+            <a:pPr algn="ctr"/>
+            <a:endParaRPr lang="ru-RU"/>
+          </a:p>
+        </p:txBody>
+      </p:sp>
+      <p:cxnSp>
+        <p:nvCxnSpPr>
+          <p:cNvPr id="5" name="Прямая со стрелкой 4"/>
+          <p:cNvCxnSpPr/>
+          <p:nvPr/>
+        </p:nvCxnSpPr>
+        <p:spPr>
+          <a:xfrm>
+            <a:off x="3204042" y="1079359"/>
+            <a:ext cx="822108" cy="1288456"/>
+          </a:xfrm>
+          <a:prstGeom prst="straightConnector1">
+            <a:avLst/>
+          </a:prstGeom>
+          <a:ln w="38100">
+            <a:solidFill>
+              <a:srgbClr val="FF0000"/>
+            </a:solidFill>
+            <a:tailEnd type="triangle"/>
+          </a:ln>
+        </p:spPr>
+        <p:style>
+          <a:lnRef idx="1">
+            <a:schemeClr val="accent1"/>
+          </a:lnRef>
+          <a:fillRef idx="0">
+            <a:schemeClr val="accent1"/>
+          </a:fillRef>
+          <a:effectRef idx="0">
+            <a:schemeClr val="accent1"/>
+          </a:effectRef>
+          <a:fontRef idx="minor">
+            <a:schemeClr val="tx1"/>
+          </a:fontRef>
+        </p:style>
+      </p:cxnSp>
+      <p:sp>
+        <p:nvSpPr>
+          <p:cNvPr id="8" name="Прямоугольник 7"/>
+          <p:cNvSpPr/>
+          <p:nvPr/>
+        </p:nvSpPr>
+        <p:spPr>
+          <a:xfrm>
+            <a:off x="8222661" y="2238196"/>
+            <a:ext cx="2015706" cy="1200329"/>
+          </a:xfrm>
+          <a:prstGeom prst="rect">
+            <a:avLst/>
+          </a:prstGeom>
+        </p:spPr>
+        <p:style>
+          <a:lnRef idx="2">
+            <a:schemeClr val="accent5"/>
+          </a:lnRef>
+          <a:fillRef idx="1">
+            <a:schemeClr val="lt1"/>
+          </a:fillRef>
+          <a:effectRef idx="0">
+            <a:schemeClr val="accent5"/>
+          </a:effectRef>
+          <a:fontRef idx="minor">
+            <a:schemeClr val="dk1"/>
+          </a:fontRef>
+        </p:style>
+        <p:txBody>
+          <a:bodyPr wrap="square">
+            <a:spAutoFit/>
+          </a:bodyPr>
+          <a:lstStyle/>
+          <a:p>
+            <a:pPr algn="ctr"/>
+            <a:r>
+              <a:rPr lang="ru-RU" dirty="0" smtClean="0"/>
+              <a:t>Выберем нужные </a:t>
+            </a:r>
+            <a:r>
+              <a:rPr lang="ru-RU" dirty="0" smtClean="0"/>
+              <a:t>ключи</a:t>
+            </a:r>
+          </a:p>
+          <a:p>
+            <a:pPr algn="ctr"/>
+            <a:r>
+              <a:rPr lang="ru-RU" dirty="0" smtClean="0"/>
+              <a:t>во </a:t>
+            </a:r>
+            <a:r>
+              <a:rPr lang="ru-RU" dirty="0" smtClean="0"/>
+              <a:t>вкладке</a:t>
+            </a:r>
+          </a:p>
+          <a:p>
+            <a:pPr algn="ctr"/>
+            <a:r>
+              <a:rPr lang="en-US" b="1" dirty="0" smtClean="0">
+                <a:solidFill>
+                  <a:srgbClr val="FF0000"/>
+                </a:solidFill>
+              </a:rPr>
+              <a:t>Switches</a:t>
+            </a:r>
+            <a:endParaRPr lang="ru-RU" b="1" dirty="0">
+              <a:solidFill>
+                <a:srgbClr val="FF0000"/>
+              </a:solidFill>
+            </a:endParaRPr>
+          </a:p>
+        </p:txBody>
+      </p:sp>
     </p:spTree>
     <p:extLst>
       <p:ext uri="{BB962C8B-B14F-4D97-AF65-F5344CB8AC3E}">
         <p14:creationId xmlns:p14="http://schemas.microsoft.com/office/powerpoint/2010/main" val="264714347"/>
+      </p:ext>
+    </p:extLst>
+  </p:cSld>
+  <p:clrMapOvr>
+    <a:masterClrMapping/>
+  </p:clrMapOvr>
+</p:sld>
+</file>
+
+<file path=ppt/slides/slide10.xml><?xml version="1.0" encoding="utf-8"?>
+<p:sld xmlns:a="http://schemas.openxmlformats.org/drawingml/2006/main" xmlns:r="http://schemas.openxmlformats.org/officeDocument/2006/relationships" xmlns:p="http://schemas.openxmlformats.org/presentationml/2006/main">
+  <p:cSld>
+    <p:spTree>
+      <p:nvGrpSpPr>
+        <p:cNvPr id="1" name=""/>
+        <p:cNvGrpSpPr/>
+        <p:nvPr/>
+      </p:nvGrpSpPr>
+      <p:grpSpPr>
+        <a:xfrm>
+          <a:off x="0" y="0"/>
+          <a:ext cx="0" cy="0"/>
+          <a:chOff x="0" y="0"/>
+          <a:chExt cx="0" cy="0"/>
+        </a:xfrm>
+      </p:grpSpPr>
+    </p:spTree>
+    <p:extLst>
+      <p:ext uri="{BB962C8B-B14F-4D97-AF65-F5344CB8AC3E}">
+        <p14:creationId xmlns:p14="http://schemas.microsoft.com/office/powerpoint/2010/main" val="4275997128"/>
+      </p:ext>
+    </p:extLst>
+  </p:cSld>
+  <p:clrMapOvr>
+    <a:masterClrMapping/>
+  </p:clrMapOvr>
+</p:sld>
+</file>
+
+<file path=ppt/slides/slide11.xml><?xml version="1.0" encoding="utf-8"?>
+<p:sld xmlns:a="http://schemas.openxmlformats.org/drawingml/2006/main" xmlns:r="http://schemas.openxmlformats.org/officeDocument/2006/relationships" xmlns:p="http://schemas.openxmlformats.org/presentationml/2006/main">
+  <p:cSld>
+    <p:spTree>
+      <p:nvGrpSpPr>
+        <p:cNvPr id="1" name=""/>
+        <p:cNvGrpSpPr/>
+        <p:nvPr/>
+      </p:nvGrpSpPr>
+      <p:grpSpPr>
+        <a:xfrm>
+          <a:off x="0" y="0"/>
+          <a:ext cx="0" cy="0"/>
+          <a:chOff x="0" y="0"/>
+          <a:chExt cx="0" cy="0"/>
+        </a:xfrm>
+      </p:grpSpPr>
+    </p:spTree>
+    <p:extLst>
+      <p:ext uri="{BB962C8B-B14F-4D97-AF65-F5344CB8AC3E}">
+        <p14:creationId xmlns:p14="http://schemas.microsoft.com/office/powerpoint/2010/main" val="3902818665"/>
+      </p:ext>
+    </p:extLst>
+  </p:cSld>
+  <p:clrMapOvr>
+    <a:masterClrMapping/>
+  </p:clrMapOvr>
+</p:sld>
+</file>
+
+<file path=ppt/slides/slide12.xml><?xml version="1.0" encoding="utf-8"?>
+<p:sld xmlns:a="http://schemas.openxmlformats.org/drawingml/2006/main" xmlns:r="http://schemas.openxmlformats.org/officeDocument/2006/relationships" xmlns:p="http://schemas.openxmlformats.org/presentationml/2006/main">
+  <p:cSld>
+    <p:spTree>
+      <p:nvGrpSpPr>
+        <p:cNvPr id="1" name=""/>
+        <p:cNvGrpSpPr/>
+        <p:nvPr/>
+      </p:nvGrpSpPr>
+      <p:grpSpPr>
+        <a:xfrm>
+          <a:off x="0" y="0"/>
+          <a:ext cx="0" cy="0"/>
+          <a:chOff x="0" y="0"/>
+          <a:chExt cx="0" cy="0"/>
+        </a:xfrm>
+      </p:grpSpPr>
+    </p:spTree>
+    <p:extLst>
+      <p:ext uri="{BB962C8B-B14F-4D97-AF65-F5344CB8AC3E}">
+        <p14:creationId xmlns:p14="http://schemas.microsoft.com/office/powerpoint/2010/main" val="715695501"/>
+      </p:ext>
+    </p:extLst>
+  </p:cSld>
+  <p:clrMapOvr>
+    <a:masterClrMapping/>
+  </p:clrMapOvr>
+</p:sld>
+</file>
+
+<file path=ppt/slides/slide13.xml><?xml version="1.0" encoding="utf-8"?>
+<p:sld xmlns:a="http://schemas.openxmlformats.org/drawingml/2006/main" xmlns:r="http://schemas.openxmlformats.org/officeDocument/2006/relationships" xmlns:p="http://schemas.openxmlformats.org/presentationml/2006/main">
+  <p:cSld>
+    <p:spTree>
+      <p:nvGrpSpPr>
+        <p:cNvPr id="1" name=""/>
+        <p:cNvGrpSpPr/>
+        <p:nvPr/>
+      </p:nvGrpSpPr>
+      <p:grpSpPr>
+        <a:xfrm>
+          <a:off x="0" y="0"/>
+          <a:ext cx="0" cy="0"/>
+          <a:chOff x="0" y="0"/>
+          <a:chExt cx="0" cy="0"/>
+        </a:xfrm>
+      </p:grpSpPr>
+    </p:spTree>
+    <p:extLst>
+      <p:ext uri="{BB962C8B-B14F-4D97-AF65-F5344CB8AC3E}">
+        <p14:creationId xmlns:p14="http://schemas.microsoft.com/office/powerpoint/2010/main" val="641076"/>
+      </p:ext>
+    </p:extLst>
+  </p:cSld>
+  <p:clrMapOvr>
+    <a:masterClrMapping/>
+  </p:clrMapOvr>
+</p:sld>
+</file>
+
+<file path=ppt/slides/slide14.xml><?xml version="1.0" encoding="utf-8"?>
+<p:sld xmlns:a="http://schemas.openxmlformats.org/drawingml/2006/main" xmlns:r="http://schemas.openxmlformats.org/officeDocument/2006/relationships" xmlns:p="http://schemas.openxmlformats.org/presentationml/2006/main">
+  <p:cSld>
+    <p:spTree>
+      <p:nvGrpSpPr>
+        <p:cNvPr id="1" name=""/>
+        <p:cNvGrpSpPr/>
+        <p:nvPr/>
+      </p:nvGrpSpPr>
+      <p:grpSpPr>
+        <a:xfrm>
+          <a:off x="0" y="0"/>
+          <a:ext cx="0" cy="0"/>
+          <a:chOff x="0" y="0"/>
+          <a:chExt cx="0" cy="0"/>
+        </a:xfrm>
+      </p:grpSpPr>
+    </p:spTree>
+    <p:extLst>
+      <p:ext uri="{BB962C8B-B14F-4D97-AF65-F5344CB8AC3E}">
+        <p14:creationId xmlns:p14="http://schemas.microsoft.com/office/powerpoint/2010/main" val="1706487944"/>
+      </p:ext>
+    </p:extLst>
+  </p:cSld>
+  <p:clrMapOvr>
+    <a:masterClrMapping/>
+  </p:clrMapOvr>
+</p:sld>
+</file>
+
+<file path=ppt/slides/slide15.xml><?xml version="1.0" encoding="utf-8"?>
+<p:sld xmlns:a="http://schemas.openxmlformats.org/drawingml/2006/main" xmlns:r="http://schemas.openxmlformats.org/officeDocument/2006/relationships" xmlns:p="http://schemas.openxmlformats.org/presentationml/2006/main">
+  <p:cSld>
+    <p:spTree>
+      <p:nvGrpSpPr>
+        <p:cNvPr id="1" name=""/>
+        <p:cNvGrpSpPr/>
+        <p:nvPr/>
+      </p:nvGrpSpPr>
+      <p:grpSpPr>
+        <a:xfrm>
+          <a:off x="0" y="0"/>
+          <a:ext cx="0" cy="0"/>
+          <a:chOff x="0" y="0"/>
+          <a:chExt cx="0" cy="0"/>
+        </a:xfrm>
+      </p:grpSpPr>
+    </p:spTree>
+    <p:extLst>
+      <p:ext uri="{BB962C8B-B14F-4D97-AF65-F5344CB8AC3E}">
+        <p14:creationId xmlns:p14="http://schemas.microsoft.com/office/powerpoint/2010/main" val="939394726"/>
+      </p:ext>
+    </p:extLst>
+  </p:cSld>
+  <p:clrMapOvr>
+    <a:masterClrMapping/>
+  </p:clrMapOvr>
+</p:sld>
+</file>
+
+<file path=ppt/slides/slide16.xml><?xml version="1.0" encoding="utf-8"?>
+<p:sld xmlns:a="http://schemas.openxmlformats.org/drawingml/2006/main" xmlns:r="http://schemas.openxmlformats.org/officeDocument/2006/relationships" xmlns:p="http://schemas.openxmlformats.org/presentationml/2006/main">
+  <p:cSld>
+    <p:spTree>
+      <p:nvGrpSpPr>
+        <p:cNvPr id="1" name=""/>
+        <p:cNvGrpSpPr/>
+        <p:nvPr/>
+      </p:nvGrpSpPr>
+      <p:grpSpPr>
+        <a:xfrm>
+          <a:off x="0" y="0"/>
+          <a:ext cx="0" cy="0"/>
+          <a:chOff x="0" y="0"/>
+          <a:chExt cx="0" cy="0"/>
+        </a:xfrm>
+      </p:grpSpPr>
+    </p:spTree>
+    <p:extLst>
+      <p:ext uri="{BB962C8B-B14F-4D97-AF65-F5344CB8AC3E}">
+        <p14:creationId xmlns:p14="http://schemas.microsoft.com/office/powerpoint/2010/main" val="2641556098"/>
+      </p:ext>
+    </p:extLst>
+  </p:cSld>
+  <p:clrMapOvr>
+    <a:masterClrMapping/>
+  </p:clrMapOvr>
+</p:sld>
+</file>
+
+<file path=ppt/slides/slide17.xml><?xml version="1.0" encoding="utf-8"?>
+<p:sld xmlns:a="http://schemas.openxmlformats.org/drawingml/2006/main" xmlns:r="http://schemas.openxmlformats.org/officeDocument/2006/relationships" xmlns:p="http://schemas.openxmlformats.org/presentationml/2006/main">
+  <p:cSld>
+    <p:spTree>
+      <p:nvGrpSpPr>
+        <p:cNvPr id="1" name=""/>
+        <p:cNvGrpSpPr/>
+        <p:nvPr/>
+      </p:nvGrpSpPr>
+      <p:grpSpPr>
+        <a:xfrm>
+          <a:off x="0" y="0"/>
+          <a:ext cx="0" cy="0"/>
+          <a:chOff x="0" y="0"/>
+          <a:chExt cx="0" cy="0"/>
+        </a:xfrm>
+      </p:grpSpPr>
+    </p:spTree>
+    <p:extLst>
+      <p:ext uri="{BB962C8B-B14F-4D97-AF65-F5344CB8AC3E}">
+        <p14:creationId xmlns:p14="http://schemas.microsoft.com/office/powerpoint/2010/main" val="2959268658"/>
+      </p:ext>
+    </p:extLst>
+  </p:cSld>
+  <p:clrMapOvr>
+    <a:masterClrMapping/>
+  </p:clrMapOvr>
+</p:sld>
+</file>
+
+<file path=ppt/slides/slide18.xml><?xml version="1.0" encoding="utf-8"?>
+<p:sld xmlns:a="http://schemas.openxmlformats.org/drawingml/2006/main" xmlns:r="http://schemas.openxmlformats.org/officeDocument/2006/relationships" xmlns:p="http://schemas.openxmlformats.org/presentationml/2006/main">
+  <p:cSld>
+    <p:spTree>
+      <p:nvGrpSpPr>
+        <p:cNvPr id="1" name=""/>
+        <p:cNvGrpSpPr/>
+        <p:nvPr/>
+      </p:nvGrpSpPr>
+      <p:grpSpPr>
+        <a:xfrm>
+          <a:off x="0" y="0"/>
+          <a:ext cx="0" cy="0"/>
+          <a:chOff x="0" y="0"/>
+          <a:chExt cx="0" cy="0"/>
+        </a:xfrm>
+      </p:grpSpPr>
+    </p:spTree>
+    <p:extLst>
+      <p:ext uri="{BB962C8B-B14F-4D97-AF65-F5344CB8AC3E}">
+        <p14:creationId xmlns:p14="http://schemas.microsoft.com/office/powerpoint/2010/main" val="780461329"/>
+      </p:ext>
+    </p:extLst>
+  </p:cSld>
+  <p:clrMapOvr>
+    <a:masterClrMapping/>
+  </p:clrMapOvr>
+</p:sld>
+</file>
+
+<file path=ppt/slides/slide2.xml><?xml version="1.0" encoding="utf-8"?>
+<p:sld xmlns:a="http://schemas.openxmlformats.org/drawingml/2006/main" xmlns:r="http://schemas.openxmlformats.org/officeDocument/2006/relationships" xmlns:p="http://schemas.openxmlformats.org/presentationml/2006/main">
+  <p:cSld>
+    <p:spTree>
+      <p:nvGrpSpPr>
+        <p:cNvPr id="1" name=""/>
+        <p:cNvGrpSpPr/>
+        <p:nvPr/>
+      </p:nvGrpSpPr>
+      <p:grpSpPr>
+        <a:xfrm>
+          <a:off x="0" y="0"/>
+          <a:ext cx="0" cy="0"/>
+          <a:chOff x="0" y="0"/>
+          <a:chExt cx="0" cy="0"/>
+        </a:xfrm>
+      </p:grpSpPr>
+      <p:pic>
+        <p:nvPicPr>
+          <p:cNvPr id="2" name="Рисунок 1"/>
+          <p:cNvPicPr>
+            <a:picLocks noChangeAspect="1"/>
+          </p:cNvPicPr>
+          <p:nvPr/>
+        </p:nvPicPr>
+        <p:blipFill>
+          <a:blip r:embed="rId2"/>
+          <a:stretch>
+            <a:fillRect/>
+          </a:stretch>
+        </p:blipFill>
+        <p:spPr>
+          <a:xfrm>
+            <a:off x="2103119" y="345347"/>
+            <a:ext cx="7748338" cy="6045348"/>
+          </a:xfrm>
+          <a:prstGeom prst="rect">
+            <a:avLst/>
+          </a:prstGeom>
+        </p:spPr>
+      </p:pic>
+      <p:sp>
+        <p:nvSpPr>
+          <p:cNvPr id="3" name="Овал 2"/>
+          <p:cNvSpPr/>
+          <p:nvPr/>
+        </p:nvSpPr>
+        <p:spPr>
+          <a:xfrm>
+            <a:off x="2117557" y="962526"/>
+            <a:ext cx="540186" cy="263756"/>
+          </a:xfrm>
+          <a:prstGeom prst="ellipse">
+            <a:avLst/>
+          </a:prstGeom>
+          <a:noFill/>
+          <a:ln w="38100">
+            <a:solidFill>
+              <a:srgbClr val="FF0000"/>
+            </a:solidFill>
+          </a:ln>
+        </p:spPr>
+        <p:style>
+          <a:lnRef idx="0">
+            <a:scrgbClr r="0" g="0" b="0"/>
+          </a:lnRef>
+          <a:fillRef idx="0">
+            <a:scrgbClr r="0" g="0" b="0"/>
+          </a:fillRef>
+          <a:effectRef idx="0">
+            <a:scrgbClr r="0" g="0" b="0"/>
+          </a:effectRef>
+          <a:fontRef idx="minor">
+            <a:schemeClr val="accent2"/>
+          </a:fontRef>
+        </p:style>
+        <p:txBody>
+          <a:bodyPr rtlCol="0" anchor="ctr"/>
+          <a:lstStyle/>
+          <a:p>
+            <a:pPr algn="ctr"/>
+            <a:endParaRPr lang="ru-RU"/>
+          </a:p>
+        </p:txBody>
+      </p:sp>
+      <p:cxnSp>
+        <p:nvCxnSpPr>
+          <p:cNvPr id="4" name="Прямая со стрелкой 3"/>
+          <p:cNvCxnSpPr/>
+          <p:nvPr/>
+        </p:nvCxnSpPr>
+        <p:spPr>
+          <a:xfrm>
+            <a:off x="4695957" y="924025"/>
+            <a:ext cx="1387209" cy="1280160"/>
+          </a:xfrm>
+          <a:prstGeom prst="straightConnector1">
+            <a:avLst/>
+          </a:prstGeom>
+          <a:ln w="38100">
+            <a:solidFill>
+              <a:srgbClr val="FF0000"/>
+            </a:solidFill>
+            <a:tailEnd type="triangle"/>
+          </a:ln>
+        </p:spPr>
+        <p:style>
+          <a:lnRef idx="1">
+            <a:schemeClr val="accent1"/>
+          </a:lnRef>
+          <a:fillRef idx="0">
+            <a:schemeClr val="accent1"/>
+          </a:fillRef>
+          <a:effectRef idx="0">
+            <a:schemeClr val="accent1"/>
+          </a:effectRef>
+          <a:fontRef idx="minor">
+            <a:schemeClr val="tx1"/>
+          </a:fontRef>
+        </p:style>
+      </p:cxnSp>
+      <p:sp>
+        <p:nvSpPr>
+          <p:cNvPr id="6" name="Прямоугольник 5"/>
+          <p:cNvSpPr/>
+          <p:nvPr/>
+        </p:nvSpPr>
+        <p:spPr>
+          <a:xfrm>
+            <a:off x="8222661" y="1343047"/>
+            <a:ext cx="2015706" cy="1200329"/>
+          </a:xfrm>
+          <a:prstGeom prst="rect">
+            <a:avLst/>
+          </a:prstGeom>
+        </p:spPr>
+        <p:style>
+          <a:lnRef idx="2">
+            <a:schemeClr val="accent5"/>
+          </a:lnRef>
+          <a:fillRef idx="1">
+            <a:schemeClr val="lt1"/>
+          </a:fillRef>
+          <a:effectRef idx="0">
+            <a:schemeClr val="accent5"/>
+          </a:effectRef>
+          <a:fontRef idx="minor">
+            <a:schemeClr val="dk1"/>
+          </a:fontRef>
+        </p:style>
+        <p:txBody>
+          <a:bodyPr wrap="square">
+            <a:spAutoFit/>
+          </a:bodyPr>
+          <a:lstStyle/>
+          <a:p>
+            <a:pPr algn="ctr"/>
+            <a:r>
+              <a:rPr lang="ru-RU" dirty="0" smtClean="0"/>
+              <a:t>Выберем резисторы</a:t>
+            </a:r>
+          </a:p>
+          <a:p>
+            <a:pPr algn="ctr"/>
+            <a:r>
+              <a:rPr lang="ru-RU" dirty="0" smtClean="0"/>
+              <a:t>во </a:t>
+            </a:r>
+            <a:r>
+              <a:rPr lang="ru-RU" dirty="0" smtClean="0"/>
+              <a:t>вкладке</a:t>
+            </a:r>
+          </a:p>
+          <a:p>
+            <a:pPr algn="ctr"/>
+            <a:r>
+              <a:rPr lang="en-US" b="1" dirty="0" smtClean="0">
+                <a:solidFill>
+                  <a:srgbClr val="FF0000"/>
+                </a:solidFill>
+              </a:rPr>
+              <a:t>Basic</a:t>
+            </a:r>
+            <a:endParaRPr lang="ru-RU" b="1" dirty="0">
+              <a:solidFill>
+                <a:srgbClr val="FF0000"/>
+              </a:solidFill>
+            </a:endParaRPr>
+          </a:p>
+        </p:txBody>
+      </p:sp>
+    </p:spTree>
+    <p:extLst>
+      <p:ext uri="{BB962C8B-B14F-4D97-AF65-F5344CB8AC3E}">
+        <p14:creationId xmlns:p14="http://schemas.microsoft.com/office/powerpoint/2010/main" val="1600089675"/>
+      </p:ext>
+    </p:extLst>
+  </p:cSld>
+  <p:clrMapOvr>
+    <a:masterClrMapping/>
+  </p:clrMapOvr>
+</p:sld>
+</file>
+
+<file path=ppt/slides/slide3.xml><?xml version="1.0" encoding="utf-8"?>
+<p:sld xmlns:a="http://schemas.openxmlformats.org/drawingml/2006/main" xmlns:r="http://schemas.openxmlformats.org/officeDocument/2006/relationships" xmlns:p="http://schemas.openxmlformats.org/presentationml/2006/main">
+  <p:cSld>
+    <p:spTree>
+      <p:nvGrpSpPr>
+        <p:cNvPr id="1" name=""/>
+        <p:cNvGrpSpPr/>
+        <p:nvPr/>
+      </p:nvGrpSpPr>
+      <p:grpSpPr>
+        <a:xfrm>
+          <a:off x="0" y="0"/>
+          <a:ext cx="0" cy="0"/>
+          <a:chOff x="0" y="0"/>
+          <a:chExt cx="0" cy="0"/>
+        </a:xfrm>
+      </p:grpSpPr>
+      <p:pic>
+        <p:nvPicPr>
+          <p:cNvPr id="2" name="Рисунок 1"/>
+          <p:cNvPicPr>
+            <a:picLocks noChangeAspect="1"/>
+          </p:cNvPicPr>
+          <p:nvPr/>
+        </p:nvPicPr>
+        <p:blipFill>
+          <a:blip r:embed="rId2"/>
+          <a:stretch>
+            <a:fillRect/>
+          </a:stretch>
+        </p:blipFill>
+        <p:spPr>
+          <a:xfrm>
+            <a:off x="2151107" y="437758"/>
+            <a:ext cx="7825339" cy="6253346"/>
+          </a:xfrm>
+          <a:prstGeom prst="rect">
+            <a:avLst/>
+          </a:prstGeom>
+        </p:spPr>
+      </p:pic>
+      <p:sp>
+        <p:nvSpPr>
+          <p:cNvPr id="3" name="Овал 2"/>
+          <p:cNvSpPr/>
+          <p:nvPr/>
+        </p:nvSpPr>
+        <p:spPr>
+          <a:xfrm>
+            <a:off x="2151107" y="1078029"/>
+            <a:ext cx="540186" cy="263756"/>
+          </a:xfrm>
+          <a:prstGeom prst="ellipse">
+            <a:avLst/>
+          </a:prstGeom>
+          <a:noFill/>
+          <a:ln w="38100">
+            <a:solidFill>
+              <a:srgbClr val="FF0000"/>
+            </a:solidFill>
+          </a:ln>
+        </p:spPr>
+        <p:style>
+          <a:lnRef idx="0">
+            <a:scrgbClr r="0" g="0" b="0"/>
+          </a:lnRef>
+          <a:fillRef idx="0">
+            <a:scrgbClr r="0" g="0" b="0"/>
+          </a:fillRef>
+          <a:effectRef idx="0">
+            <a:scrgbClr r="0" g="0" b="0"/>
+          </a:effectRef>
+          <a:fontRef idx="minor">
+            <a:schemeClr val="accent2"/>
+          </a:fontRef>
+        </p:style>
+        <p:txBody>
+          <a:bodyPr rtlCol="0" anchor="ctr"/>
+          <a:lstStyle/>
+          <a:p>
+            <a:pPr algn="ctr"/>
+            <a:endParaRPr lang="ru-RU"/>
+          </a:p>
+        </p:txBody>
+      </p:sp>
+      <p:cxnSp>
+        <p:nvCxnSpPr>
+          <p:cNvPr id="4" name="Прямая со стрелкой 3"/>
+          <p:cNvCxnSpPr/>
+          <p:nvPr/>
+        </p:nvCxnSpPr>
+        <p:spPr>
+          <a:xfrm>
+            <a:off x="2886408" y="943275"/>
+            <a:ext cx="155175" cy="3339967"/>
+          </a:xfrm>
+          <a:prstGeom prst="straightConnector1">
+            <a:avLst/>
+          </a:prstGeom>
+          <a:ln w="38100">
+            <a:solidFill>
+              <a:srgbClr val="FF0000"/>
+            </a:solidFill>
+            <a:tailEnd type="triangle"/>
+          </a:ln>
+        </p:spPr>
+        <p:style>
+          <a:lnRef idx="1">
+            <a:schemeClr val="accent1"/>
+          </a:lnRef>
+          <a:fillRef idx="0">
+            <a:schemeClr val="accent1"/>
+          </a:fillRef>
+          <a:effectRef idx="0">
+            <a:schemeClr val="accent1"/>
+          </a:effectRef>
+          <a:fontRef idx="minor">
+            <a:schemeClr val="tx1"/>
+          </a:fontRef>
+        </p:style>
+      </p:cxnSp>
+      <p:sp>
+        <p:nvSpPr>
+          <p:cNvPr id="6" name="Прямоугольник 5"/>
+          <p:cNvSpPr/>
+          <p:nvPr/>
+        </p:nvSpPr>
+        <p:spPr>
+          <a:xfrm>
+            <a:off x="8152597" y="1554803"/>
+            <a:ext cx="2432279" cy="923330"/>
+          </a:xfrm>
+          <a:prstGeom prst="rect">
+            <a:avLst/>
+          </a:prstGeom>
+        </p:spPr>
+        <p:style>
+          <a:lnRef idx="2">
+            <a:schemeClr val="accent5"/>
+          </a:lnRef>
+          <a:fillRef idx="1">
+            <a:schemeClr val="lt1"/>
+          </a:fillRef>
+          <a:effectRef idx="0">
+            <a:schemeClr val="accent5"/>
+          </a:effectRef>
+          <a:fontRef idx="minor">
+            <a:schemeClr val="dk1"/>
+          </a:fontRef>
+        </p:style>
+        <p:txBody>
+          <a:bodyPr wrap="square">
+            <a:spAutoFit/>
+          </a:bodyPr>
+          <a:lstStyle/>
+          <a:p>
+            <a:pPr algn="ctr"/>
+            <a:r>
+              <a:rPr lang="ru-RU" dirty="0" smtClean="0"/>
+              <a:t>Источник ЭДС в 10 В</a:t>
+            </a:r>
+          </a:p>
+          <a:p>
+            <a:pPr algn="ctr"/>
+            <a:r>
+              <a:rPr lang="ru-RU" dirty="0" smtClean="0"/>
+              <a:t>Из вкладки</a:t>
+            </a:r>
+            <a:endParaRPr lang="ru-RU" dirty="0" smtClean="0"/>
+          </a:p>
+          <a:p>
+            <a:pPr algn="ctr"/>
+            <a:r>
+              <a:rPr lang="en-US" b="1" dirty="0" smtClean="0">
+                <a:solidFill>
+                  <a:srgbClr val="FF0000"/>
+                </a:solidFill>
+              </a:rPr>
+              <a:t>Basic</a:t>
+            </a:r>
+            <a:endParaRPr lang="ru-RU" b="1" dirty="0">
+              <a:solidFill>
+                <a:srgbClr val="FF0000"/>
+              </a:solidFill>
+            </a:endParaRPr>
+          </a:p>
+        </p:txBody>
+      </p:sp>
+    </p:spTree>
+    <p:extLst>
+      <p:ext uri="{BB962C8B-B14F-4D97-AF65-F5344CB8AC3E}">
+        <p14:creationId xmlns:p14="http://schemas.microsoft.com/office/powerpoint/2010/main" val="1277198571"/>
+      </p:ext>
+    </p:extLst>
+  </p:cSld>
+  <p:clrMapOvr>
+    <a:masterClrMapping/>
+  </p:clrMapOvr>
+</p:sld>
+</file>
+
+<file path=ppt/slides/slide4.xml><?xml version="1.0" encoding="utf-8"?>
+<p:sld xmlns:a="http://schemas.openxmlformats.org/drawingml/2006/main" xmlns:r="http://schemas.openxmlformats.org/officeDocument/2006/relationships" xmlns:p="http://schemas.openxmlformats.org/presentationml/2006/main">
+  <p:cSld>
+    <p:spTree>
+      <p:nvGrpSpPr>
+        <p:cNvPr id="1" name=""/>
+        <p:cNvGrpSpPr/>
+        <p:nvPr/>
+      </p:nvGrpSpPr>
+      <p:grpSpPr>
+        <a:xfrm>
+          <a:off x="0" y="0"/>
+          <a:ext cx="0" cy="0"/>
+          <a:chOff x="0" y="0"/>
+          <a:chExt cx="0" cy="0"/>
+        </a:xfrm>
+      </p:grpSpPr>
+      <p:pic>
+        <p:nvPicPr>
+          <p:cNvPr id="2" name="Рисунок 1"/>
+          <p:cNvPicPr>
+            <a:picLocks noChangeAspect="1"/>
+          </p:cNvPicPr>
+          <p:nvPr/>
+        </p:nvPicPr>
+        <p:blipFill>
+          <a:blip r:embed="rId2"/>
+          <a:stretch>
+            <a:fillRect/>
+          </a:stretch>
+        </p:blipFill>
+        <p:spPr>
+          <a:xfrm>
+            <a:off x="2329313" y="312068"/>
+            <a:ext cx="7267074" cy="6214076"/>
+          </a:xfrm>
+          <a:prstGeom prst="rect">
+            <a:avLst/>
+          </a:prstGeom>
+        </p:spPr>
+      </p:pic>
+      <p:sp>
+        <p:nvSpPr>
+          <p:cNvPr id="3" name="Прямоугольник 2"/>
+          <p:cNvSpPr/>
+          <p:nvPr/>
+        </p:nvSpPr>
+        <p:spPr>
+          <a:xfrm>
+            <a:off x="8527982" y="1506677"/>
+            <a:ext cx="2432279" cy="1200329"/>
+          </a:xfrm>
+          <a:prstGeom prst="rect">
+            <a:avLst/>
+          </a:prstGeom>
+        </p:spPr>
+        <p:style>
+          <a:lnRef idx="2">
+            <a:schemeClr val="accent5"/>
+          </a:lnRef>
+          <a:fillRef idx="1">
+            <a:schemeClr val="lt1"/>
+          </a:fillRef>
+          <a:effectRef idx="0">
+            <a:schemeClr val="accent5"/>
+          </a:effectRef>
+          <a:fontRef idx="minor">
+            <a:schemeClr val="dk1"/>
+          </a:fontRef>
+        </p:style>
+        <p:txBody>
+          <a:bodyPr wrap="square">
+            <a:spAutoFit/>
+          </a:bodyPr>
+          <a:lstStyle/>
+          <a:p>
+            <a:pPr algn="ctr"/>
+            <a:r>
+              <a:rPr lang="ru-RU" dirty="0" smtClean="0"/>
+              <a:t>Амперметр и Вольтметр </a:t>
+            </a:r>
+          </a:p>
+          <a:p>
+            <a:pPr algn="ctr"/>
+            <a:r>
+              <a:rPr lang="ru-RU" dirty="0"/>
+              <a:t>и</a:t>
+            </a:r>
+            <a:r>
+              <a:rPr lang="ru-RU" dirty="0" smtClean="0"/>
+              <a:t>з вкладки</a:t>
+            </a:r>
+            <a:endParaRPr lang="ru-RU" dirty="0" smtClean="0"/>
+          </a:p>
+          <a:p>
+            <a:pPr algn="ctr"/>
+            <a:r>
+              <a:rPr lang="en-US" b="1" dirty="0" smtClean="0">
+                <a:solidFill>
+                  <a:srgbClr val="FF0000"/>
+                </a:solidFill>
+              </a:rPr>
+              <a:t>Basic</a:t>
+            </a:r>
+            <a:endParaRPr lang="ru-RU" b="1" dirty="0">
+              <a:solidFill>
+                <a:srgbClr val="FF0000"/>
+              </a:solidFill>
+            </a:endParaRPr>
+          </a:p>
+        </p:txBody>
+      </p:sp>
+      <p:sp>
+        <p:nvSpPr>
+          <p:cNvPr id="4" name="Овал 3"/>
+          <p:cNvSpPr/>
+          <p:nvPr/>
+        </p:nvSpPr>
+        <p:spPr>
+          <a:xfrm>
+            <a:off x="2401364" y="952900"/>
+            <a:ext cx="540186" cy="263756"/>
+          </a:xfrm>
+          <a:prstGeom prst="ellipse">
+            <a:avLst/>
+          </a:prstGeom>
+          <a:noFill/>
+          <a:ln w="38100">
+            <a:solidFill>
+              <a:srgbClr val="FF0000"/>
+            </a:solidFill>
+          </a:ln>
+        </p:spPr>
+        <p:style>
+          <a:lnRef idx="0">
+            <a:scrgbClr r="0" g="0" b="0"/>
+          </a:lnRef>
+          <a:fillRef idx="0">
+            <a:scrgbClr r="0" g="0" b="0"/>
+          </a:fillRef>
+          <a:effectRef idx="0">
+            <a:scrgbClr r="0" g="0" b="0"/>
+          </a:effectRef>
+          <a:fontRef idx="minor">
+            <a:schemeClr val="accent2"/>
+          </a:fontRef>
+        </p:style>
+        <p:txBody>
+          <a:bodyPr rtlCol="0" anchor="ctr"/>
+          <a:lstStyle/>
+          <a:p>
+            <a:pPr algn="ctr"/>
+            <a:endParaRPr lang="ru-RU"/>
+          </a:p>
+        </p:txBody>
+      </p:sp>
+      <p:cxnSp>
+        <p:nvCxnSpPr>
+          <p:cNvPr id="5" name="Прямая со стрелкой 4"/>
+          <p:cNvCxnSpPr/>
+          <p:nvPr/>
+        </p:nvCxnSpPr>
+        <p:spPr>
+          <a:xfrm>
+            <a:off x="4129238" y="952900"/>
+            <a:ext cx="1039528" cy="3176338"/>
+          </a:xfrm>
+          <a:prstGeom prst="straightConnector1">
+            <a:avLst/>
+          </a:prstGeom>
+          <a:ln w="38100">
+            <a:solidFill>
+              <a:srgbClr val="FF0000"/>
+            </a:solidFill>
+            <a:tailEnd type="triangle"/>
+          </a:ln>
+        </p:spPr>
+        <p:style>
+          <a:lnRef idx="1">
+            <a:schemeClr val="accent1"/>
+          </a:lnRef>
+          <a:fillRef idx="0">
+            <a:schemeClr val="accent1"/>
+          </a:fillRef>
+          <a:effectRef idx="0">
+            <a:schemeClr val="accent1"/>
+          </a:effectRef>
+          <a:fontRef idx="minor">
+            <a:schemeClr val="tx1"/>
+          </a:fontRef>
+        </p:style>
+      </p:cxnSp>
+      <p:cxnSp>
+        <p:nvCxnSpPr>
+          <p:cNvPr id="8" name="Прямая со стрелкой 7"/>
+          <p:cNvCxnSpPr/>
+          <p:nvPr/>
+        </p:nvCxnSpPr>
+        <p:spPr>
+          <a:xfrm>
+            <a:off x="4466122" y="952900"/>
+            <a:ext cx="1171" cy="3306602"/>
+          </a:xfrm>
+          <a:prstGeom prst="straightConnector1">
+            <a:avLst/>
+          </a:prstGeom>
+          <a:ln w="38100">
+            <a:solidFill>
+              <a:srgbClr val="FF0000"/>
+            </a:solidFill>
+            <a:tailEnd type="triangle"/>
+          </a:ln>
+        </p:spPr>
+        <p:style>
+          <a:lnRef idx="1">
+            <a:schemeClr val="accent1"/>
+          </a:lnRef>
+          <a:fillRef idx="0">
+            <a:schemeClr val="accent1"/>
+          </a:fillRef>
+          <a:effectRef idx="0">
+            <a:schemeClr val="accent1"/>
+          </a:effectRef>
+          <a:fontRef idx="minor">
+            <a:schemeClr val="tx1"/>
+          </a:fontRef>
+        </p:style>
+      </p:cxnSp>
+    </p:spTree>
+    <p:extLst>
+      <p:ext uri="{BB962C8B-B14F-4D97-AF65-F5344CB8AC3E}">
+        <p14:creationId xmlns:p14="http://schemas.microsoft.com/office/powerpoint/2010/main" val="3724831914"/>
+      </p:ext>
+    </p:extLst>
+  </p:cSld>
+  <p:clrMapOvr>
+    <a:masterClrMapping/>
+  </p:clrMapOvr>
+</p:sld>
+</file>
+
+<file path=ppt/slides/slide5.xml><?xml version="1.0" encoding="utf-8"?>
+<p:sld xmlns:a="http://schemas.openxmlformats.org/drawingml/2006/main" xmlns:r="http://schemas.openxmlformats.org/officeDocument/2006/relationships" xmlns:p="http://schemas.openxmlformats.org/presentationml/2006/main">
+  <p:cSld>
+    <p:spTree>
+      <p:nvGrpSpPr>
+        <p:cNvPr id="1" name=""/>
+        <p:cNvGrpSpPr/>
+        <p:nvPr/>
+      </p:nvGrpSpPr>
+      <p:grpSpPr>
+        <a:xfrm>
+          <a:off x="0" y="0"/>
+          <a:ext cx="0" cy="0"/>
+          <a:chOff x="0" y="0"/>
+          <a:chExt cx="0" cy="0"/>
+        </a:xfrm>
+      </p:grpSpPr>
+      <p:pic>
+        <p:nvPicPr>
+          <p:cNvPr id="2" name="Рисунок 1"/>
+          <p:cNvPicPr>
+            <a:picLocks noChangeAspect="1"/>
+          </p:cNvPicPr>
+          <p:nvPr/>
+        </p:nvPicPr>
+        <p:blipFill>
+          <a:blip r:embed="rId2"/>
+          <a:stretch>
+            <a:fillRect/>
+          </a:stretch>
+        </p:blipFill>
+        <p:spPr>
+          <a:xfrm>
+            <a:off x="2602684" y="389372"/>
+            <a:ext cx="7176584" cy="6243213"/>
+          </a:xfrm>
+          <a:prstGeom prst="rect">
+            <a:avLst/>
+          </a:prstGeom>
+        </p:spPr>
+      </p:pic>
+      <p:sp>
+        <p:nvSpPr>
+          <p:cNvPr id="3" name="Прямоугольник 2"/>
+          <p:cNvSpPr/>
+          <p:nvPr/>
+        </p:nvSpPr>
+        <p:spPr>
+          <a:xfrm>
+            <a:off x="8563128" y="1429675"/>
+            <a:ext cx="2432279" cy="1477328"/>
+          </a:xfrm>
+          <a:prstGeom prst="rect">
+            <a:avLst/>
+          </a:prstGeom>
+        </p:spPr>
+        <p:style>
+          <a:lnRef idx="2">
+            <a:schemeClr val="accent5"/>
+          </a:lnRef>
+          <a:fillRef idx="1">
+            <a:schemeClr val="lt1"/>
+          </a:fillRef>
+          <a:effectRef idx="0">
+            <a:schemeClr val="accent5"/>
+          </a:effectRef>
+          <a:fontRef idx="minor">
+            <a:schemeClr val="dk1"/>
+          </a:fontRef>
+        </p:style>
+        <p:txBody>
+          <a:bodyPr wrap="square">
+            <a:spAutoFit/>
+          </a:bodyPr>
+          <a:lstStyle/>
+          <a:p>
+            <a:pPr algn="ctr"/>
+            <a:r>
+              <a:rPr lang="ru-RU" dirty="0" smtClean="0"/>
+              <a:t>Операционный усилитель с обратной связью</a:t>
+            </a:r>
+          </a:p>
+          <a:p>
+            <a:pPr algn="ctr"/>
+            <a:r>
+              <a:rPr lang="ru-RU" dirty="0" smtClean="0"/>
+              <a:t>и</a:t>
+            </a:r>
+            <a:r>
+              <a:rPr lang="ru-RU" dirty="0" smtClean="0"/>
+              <a:t>з вкладки</a:t>
+            </a:r>
+          </a:p>
+          <a:p>
+            <a:pPr algn="ctr"/>
+            <a:r>
+              <a:rPr lang="en-US" b="1" dirty="0" smtClean="0">
+                <a:solidFill>
+                  <a:srgbClr val="FF0000"/>
+                </a:solidFill>
+              </a:rPr>
+              <a:t>Semiconductors</a:t>
+            </a:r>
+            <a:endParaRPr lang="ru-RU" b="1" dirty="0">
+              <a:solidFill>
+                <a:srgbClr val="FF0000"/>
+              </a:solidFill>
+            </a:endParaRPr>
+          </a:p>
+        </p:txBody>
+      </p:sp>
+      <p:sp>
+        <p:nvSpPr>
+          <p:cNvPr id="4" name="Овал 3"/>
+          <p:cNvSpPr/>
+          <p:nvPr/>
+        </p:nvSpPr>
+        <p:spPr>
+          <a:xfrm>
+            <a:off x="4441919" y="1020277"/>
+            <a:ext cx="1005979" cy="279134"/>
+          </a:xfrm>
+          <a:prstGeom prst="ellipse">
+            <a:avLst/>
+          </a:prstGeom>
+          <a:noFill/>
+          <a:ln w="38100">
+            <a:solidFill>
+              <a:srgbClr val="FF0000"/>
+            </a:solidFill>
+          </a:ln>
+        </p:spPr>
+        <p:style>
+          <a:lnRef idx="0">
+            <a:scrgbClr r="0" g="0" b="0"/>
+          </a:lnRef>
+          <a:fillRef idx="0">
+            <a:scrgbClr r="0" g="0" b="0"/>
+          </a:fillRef>
+          <a:effectRef idx="0">
+            <a:scrgbClr r="0" g="0" b="0"/>
+          </a:effectRef>
+          <a:fontRef idx="minor">
+            <a:schemeClr val="accent2"/>
+          </a:fontRef>
+        </p:style>
+        <p:txBody>
+          <a:bodyPr rtlCol="0" anchor="ctr"/>
+          <a:lstStyle/>
+          <a:p>
+            <a:pPr algn="ctr"/>
+            <a:endParaRPr lang="ru-RU"/>
+          </a:p>
+        </p:txBody>
+      </p:sp>
+      <p:cxnSp>
+        <p:nvCxnSpPr>
+          <p:cNvPr id="5" name="Прямая со стрелкой 4"/>
+          <p:cNvCxnSpPr/>
+          <p:nvPr/>
+        </p:nvCxnSpPr>
+        <p:spPr>
+          <a:xfrm>
+            <a:off x="3277408" y="856648"/>
+            <a:ext cx="3758659" cy="4312118"/>
+          </a:xfrm>
+          <a:prstGeom prst="straightConnector1">
+            <a:avLst/>
+          </a:prstGeom>
+          <a:ln w="38100">
+            <a:solidFill>
+              <a:srgbClr val="FF0000"/>
+            </a:solidFill>
+            <a:tailEnd type="triangle"/>
+          </a:ln>
+        </p:spPr>
+        <p:style>
+          <a:lnRef idx="1">
+            <a:schemeClr val="accent1"/>
+          </a:lnRef>
+          <a:fillRef idx="0">
+            <a:schemeClr val="accent1"/>
+          </a:fillRef>
+          <a:effectRef idx="0">
+            <a:schemeClr val="accent1"/>
+          </a:effectRef>
+          <a:fontRef idx="minor">
+            <a:schemeClr val="tx1"/>
+          </a:fontRef>
+        </p:style>
+      </p:cxnSp>
+      <p:sp>
+        <p:nvSpPr>
+          <p:cNvPr id="7" name="Прямоугольник 6"/>
+          <p:cNvSpPr/>
+          <p:nvPr/>
+        </p:nvSpPr>
+        <p:spPr>
+          <a:xfrm>
+            <a:off x="9237852" y="3691438"/>
+            <a:ext cx="2432279" cy="1200329"/>
+          </a:xfrm>
+          <a:prstGeom prst="rect">
+            <a:avLst/>
+          </a:prstGeom>
+        </p:spPr>
+        <p:style>
+          <a:lnRef idx="2">
+            <a:schemeClr val="accent5"/>
+          </a:lnRef>
+          <a:fillRef idx="1">
+            <a:schemeClr val="lt1"/>
+          </a:fillRef>
+          <a:effectRef idx="0">
+            <a:schemeClr val="accent5"/>
+          </a:effectRef>
+          <a:fontRef idx="minor">
+            <a:schemeClr val="dk1"/>
+          </a:fontRef>
+        </p:style>
+        <p:txBody>
+          <a:bodyPr wrap="square">
+            <a:spAutoFit/>
+          </a:bodyPr>
+          <a:lstStyle/>
+          <a:p>
+            <a:pPr algn="ctr"/>
+            <a:r>
+              <a:rPr lang="ru-RU" dirty="0" smtClean="0"/>
+              <a:t>Две одинаковые батареи в</a:t>
+            </a:r>
+          </a:p>
+          <a:p>
+            <a:pPr algn="ctr"/>
+            <a:r>
+              <a:rPr lang="en-US" b="1" dirty="0" smtClean="0">
+                <a:solidFill>
+                  <a:srgbClr val="FF0000"/>
+                </a:solidFill>
+              </a:rPr>
+              <a:t>Sour</a:t>
+            </a:r>
+            <a:r>
+              <a:rPr lang="ru-RU" b="1" dirty="0" smtClean="0">
+                <a:solidFill>
+                  <a:srgbClr val="FF0000"/>
+                </a:solidFill>
+              </a:rPr>
+              <a:t>с</a:t>
+            </a:r>
+            <a:r>
+              <a:rPr lang="en-US" b="1" dirty="0" err="1" smtClean="0">
+                <a:solidFill>
+                  <a:srgbClr val="FF0000"/>
+                </a:solidFill>
+              </a:rPr>
+              <a:t>es</a:t>
+            </a:r>
+            <a:endParaRPr lang="ru-RU" b="1" dirty="0" smtClean="0">
+              <a:solidFill>
+                <a:srgbClr val="FF0000"/>
+              </a:solidFill>
+            </a:endParaRPr>
+          </a:p>
+          <a:p>
+            <a:pPr algn="ctr"/>
+            <a:r>
+              <a:rPr lang="ru-RU" b="1" dirty="0" smtClean="0">
+                <a:solidFill>
+                  <a:schemeClr val="tx1"/>
+                </a:solidFill>
+              </a:rPr>
+              <a:t>Для работы </a:t>
+            </a:r>
+            <a:r>
+              <a:rPr lang="ru-RU" b="1" dirty="0" smtClean="0">
+                <a:solidFill>
+                  <a:srgbClr val="FF0000"/>
+                </a:solidFill>
+              </a:rPr>
+              <a:t>ОУ</a:t>
+            </a:r>
+            <a:endParaRPr lang="ru-RU" b="1" dirty="0">
+              <a:solidFill>
+                <a:srgbClr val="FF0000"/>
+              </a:solidFill>
+            </a:endParaRPr>
+          </a:p>
+        </p:txBody>
+      </p:sp>
+      <p:cxnSp>
+        <p:nvCxnSpPr>
+          <p:cNvPr id="8" name="Прямая со стрелкой 7"/>
+          <p:cNvCxnSpPr/>
+          <p:nvPr/>
+        </p:nvCxnSpPr>
+        <p:spPr>
+          <a:xfrm flipH="1">
+            <a:off x="7757563" y="4014603"/>
+            <a:ext cx="2117957" cy="740277"/>
+          </a:xfrm>
+          <a:prstGeom prst="straightConnector1">
+            <a:avLst/>
+          </a:prstGeom>
+          <a:ln w="38100">
+            <a:solidFill>
+              <a:srgbClr val="FF0000"/>
+            </a:solidFill>
+            <a:tailEnd type="triangle"/>
+          </a:ln>
+        </p:spPr>
+        <p:style>
+          <a:lnRef idx="1">
+            <a:schemeClr val="accent1"/>
+          </a:lnRef>
+          <a:fillRef idx="0">
+            <a:schemeClr val="accent1"/>
+          </a:fillRef>
+          <a:effectRef idx="0">
+            <a:schemeClr val="accent1"/>
+          </a:effectRef>
+          <a:fontRef idx="minor">
+            <a:schemeClr val="tx1"/>
+          </a:fontRef>
+        </p:style>
+      </p:cxnSp>
+      <p:cxnSp>
+        <p:nvCxnSpPr>
+          <p:cNvPr id="11" name="Прямая со стрелкой 10"/>
+          <p:cNvCxnSpPr/>
+          <p:nvPr/>
+        </p:nvCxnSpPr>
+        <p:spPr>
+          <a:xfrm flipH="1">
+            <a:off x="7881051" y="4109987"/>
+            <a:ext cx="1994469" cy="1752493"/>
+          </a:xfrm>
+          <a:prstGeom prst="straightConnector1">
+            <a:avLst/>
+          </a:prstGeom>
+          <a:ln w="38100">
+            <a:solidFill>
+              <a:srgbClr val="FF0000"/>
+            </a:solidFill>
+            <a:tailEnd type="triangle"/>
+          </a:ln>
+        </p:spPr>
+        <p:style>
+          <a:lnRef idx="1">
+            <a:schemeClr val="accent1"/>
+          </a:lnRef>
+          <a:fillRef idx="0">
+            <a:schemeClr val="accent1"/>
+          </a:fillRef>
+          <a:effectRef idx="0">
+            <a:schemeClr val="accent1"/>
+          </a:effectRef>
+          <a:fontRef idx="minor">
+            <a:schemeClr val="tx1"/>
+          </a:fontRef>
+        </p:style>
+      </p:cxnSp>
+    </p:spTree>
+    <p:extLst>
+      <p:ext uri="{BB962C8B-B14F-4D97-AF65-F5344CB8AC3E}">
+        <p14:creationId xmlns:p14="http://schemas.microsoft.com/office/powerpoint/2010/main" val="1324628502"/>
+      </p:ext>
+    </p:extLst>
+  </p:cSld>
+  <p:clrMapOvr>
+    <a:masterClrMapping/>
+  </p:clrMapOvr>
+</p:sld>
+</file>
+
+<file path=ppt/slides/slide6.xml><?xml version="1.0" encoding="utf-8"?>
+<p:sld xmlns:a="http://schemas.openxmlformats.org/drawingml/2006/main" xmlns:r="http://schemas.openxmlformats.org/officeDocument/2006/relationships" xmlns:p="http://schemas.openxmlformats.org/presentationml/2006/main">
+  <p:cSld>
+    <p:spTree>
+      <p:nvGrpSpPr>
+        <p:cNvPr id="1" name=""/>
+        <p:cNvGrpSpPr/>
+        <p:nvPr/>
+      </p:nvGrpSpPr>
+      <p:grpSpPr>
+        <a:xfrm>
+          <a:off x="0" y="0"/>
+          <a:ext cx="0" cy="0"/>
+          <a:chOff x="0" y="0"/>
+          <a:chExt cx="0" cy="0"/>
+        </a:xfrm>
+      </p:grpSpPr>
+      <p:pic>
+        <p:nvPicPr>
+          <p:cNvPr id="2" name="Рисунок 1"/>
+          <p:cNvPicPr>
+            <a:picLocks noChangeAspect="1"/>
+          </p:cNvPicPr>
+          <p:nvPr/>
+        </p:nvPicPr>
+        <p:blipFill>
+          <a:blip r:embed="rId2"/>
+          <a:stretch>
+            <a:fillRect/>
+          </a:stretch>
+        </p:blipFill>
+        <p:spPr>
+          <a:xfrm>
+            <a:off x="760619" y="1449421"/>
+            <a:ext cx="11027108" cy="4649821"/>
+          </a:xfrm>
+          <a:prstGeom prst="rect">
+            <a:avLst/>
+          </a:prstGeom>
+        </p:spPr>
+      </p:pic>
+      <p:sp>
+        <p:nvSpPr>
+          <p:cNvPr id="3" name="Прямоугольник 2"/>
+          <p:cNvSpPr/>
+          <p:nvPr/>
+        </p:nvSpPr>
+        <p:spPr>
+          <a:xfrm>
+            <a:off x="3087869" y="959775"/>
+            <a:ext cx="6372607" cy="369332"/>
+          </a:xfrm>
+          <a:prstGeom prst="rect">
+            <a:avLst/>
+          </a:prstGeom>
+        </p:spPr>
+        <p:style>
+          <a:lnRef idx="2">
+            <a:schemeClr val="accent5"/>
+          </a:lnRef>
+          <a:fillRef idx="1">
+            <a:schemeClr val="lt1"/>
+          </a:fillRef>
+          <a:effectRef idx="0">
+            <a:schemeClr val="accent5"/>
+          </a:effectRef>
+          <a:fontRef idx="minor">
+            <a:schemeClr val="dk1"/>
+          </a:fontRef>
+        </p:style>
+        <p:txBody>
+          <a:bodyPr wrap="square">
+            <a:spAutoFit/>
+          </a:bodyPr>
+          <a:lstStyle/>
+          <a:p>
+            <a:pPr algn="ctr"/>
+            <a:r>
+              <a:rPr lang="ru-RU" b="1" dirty="0" smtClean="0">
+                <a:solidFill>
+                  <a:srgbClr val="FF0000"/>
+                </a:solidFill>
+              </a:rPr>
+              <a:t>Соберем схему ЦАП в среде </a:t>
+            </a:r>
+            <a:r>
+              <a:rPr lang="en-US" b="1" dirty="0" smtClean="0">
+                <a:solidFill>
+                  <a:srgbClr val="FF0000"/>
+                </a:solidFill>
+              </a:rPr>
+              <a:t>TINA</a:t>
+            </a:r>
+            <a:endParaRPr lang="ru-RU" b="1" dirty="0">
+              <a:solidFill>
+                <a:srgbClr val="FF0000"/>
+              </a:solidFill>
+            </a:endParaRPr>
+          </a:p>
+        </p:txBody>
+      </p:sp>
+    </p:spTree>
+    <p:extLst>
+      <p:ext uri="{BB962C8B-B14F-4D97-AF65-F5344CB8AC3E}">
+        <p14:creationId xmlns:p14="http://schemas.microsoft.com/office/powerpoint/2010/main" val="1076737538"/>
+      </p:ext>
+    </p:extLst>
+  </p:cSld>
+  <p:clrMapOvr>
+    <a:masterClrMapping/>
+  </p:clrMapOvr>
+</p:sld>
+</file>
+
+<file path=ppt/slides/slide7.xml><?xml version="1.0" encoding="utf-8"?>
+<p:sld xmlns:a="http://schemas.openxmlformats.org/drawingml/2006/main" xmlns:r="http://schemas.openxmlformats.org/officeDocument/2006/relationships" xmlns:p="http://schemas.openxmlformats.org/presentationml/2006/main">
+  <p:cSld>
+    <p:spTree>
+      <p:nvGrpSpPr>
+        <p:cNvPr id="1" name=""/>
+        <p:cNvGrpSpPr/>
+        <p:nvPr/>
+      </p:nvGrpSpPr>
+      <p:grpSpPr>
+        <a:xfrm>
+          <a:off x="0" y="0"/>
+          <a:ext cx="0" cy="0"/>
+          <a:chOff x="0" y="0"/>
+          <a:chExt cx="0" cy="0"/>
+        </a:xfrm>
+      </p:grpSpPr>
+    </p:spTree>
+    <p:extLst>
+      <p:ext uri="{BB962C8B-B14F-4D97-AF65-F5344CB8AC3E}">
+        <p14:creationId xmlns:p14="http://schemas.microsoft.com/office/powerpoint/2010/main" val="2179200204"/>
+      </p:ext>
+    </p:extLst>
+  </p:cSld>
+  <p:clrMapOvr>
+    <a:masterClrMapping/>
+  </p:clrMapOvr>
+</p:sld>
+</file>
+
+<file path=ppt/slides/slide8.xml><?xml version="1.0" encoding="utf-8"?>
+<p:sld xmlns:a="http://schemas.openxmlformats.org/drawingml/2006/main" xmlns:r="http://schemas.openxmlformats.org/officeDocument/2006/relationships" xmlns:p="http://schemas.openxmlformats.org/presentationml/2006/main">
+  <p:cSld>
+    <p:spTree>
+      <p:nvGrpSpPr>
+        <p:cNvPr id="1" name=""/>
+        <p:cNvGrpSpPr/>
+        <p:nvPr/>
+      </p:nvGrpSpPr>
+      <p:grpSpPr>
+        <a:xfrm>
+          <a:off x="0" y="0"/>
+          <a:ext cx="0" cy="0"/>
+          <a:chOff x="0" y="0"/>
+          <a:chExt cx="0" cy="0"/>
+        </a:xfrm>
+      </p:grpSpPr>
+    </p:spTree>
+    <p:extLst>
+      <p:ext uri="{BB962C8B-B14F-4D97-AF65-F5344CB8AC3E}">
+        <p14:creationId xmlns:p14="http://schemas.microsoft.com/office/powerpoint/2010/main" val="3232449046"/>
+      </p:ext>
+    </p:extLst>
+  </p:cSld>
+  <p:clrMapOvr>
+    <a:masterClrMapping/>
+  </p:clrMapOvr>
+</p:sld>
+</file>
+
+<file path=ppt/slides/slide9.xml><?xml version="1.0" encoding="utf-8"?>
+<p:sld xmlns:a="http://schemas.openxmlformats.org/drawingml/2006/main" xmlns:r="http://schemas.openxmlformats.org/officeDocument/2006/relationships" xmlns:p="http://schemas.openxmlformats.org/presentationml/2006/main">
+  <p:cSld>
+    <p:spTree>
+      <p:nvGrpSpPr>
+        <p:cNvPr id="1" name=""/>
+        <p:cNvGrpSpPr/>
+        <p:nvPr/>
+      </p:nvGrpSpPr>
+      <p:grpSpPr>
+        <a:xfrm>
+          <a:off x="0" y="0"/>
+          <a:ext cx="0" cy="0"/>
+          <a:chOff x="0" y="0"/>
+          <a:chExt cx="0" cy="0"/>
+        </a:xfrm>
+      </p:grpSpPr>
+    </p:spTree>
+    <p:extLst>
+      <p:ext uri="{BB962C8B-B14F-4D97-AF65-F5344CB8AC3E}">
+        <p14:creationId xmlns:p14="http://schemas.microsoft.com/office/powerpoint/2010/main" val="3641751344"/>
       </p:ext>
     </p:extLst>
   </p:cSld>

--- a/рубеж 3/презы/ЦАП.pptx
+++ b/рубеж 3/презы/ЦАП.pptx
@@ -19,10 +19,8 @@
     <p:sldId id="270" r:id="rId13"/>
     <p:sldId id="271" r:id="rId14"/>
     <p:sldId id="272" r:id="rId15"/>
-    <p:sldId id="273" r:id="rId16"/>
-    <p:sldId id="274" r:id="rId17"/>
-    <p:sldId id="275" r:id="rId18"/>
-    <p:sldId id="276" r:id="rId19"/>
+    <p:sldId id="274" r:id="rId16"/>
+    <p:sldId id="273" r:id="rId17"/>
   </p:sldIdLst>
   <p:sldSz cx="12192000" cy="6858000"/>
   <p:notesSz cx="6858000" cy="9144000"/>
@@ -3128,22 +3126,14 @@
             <a:pPr algn="ctr"/>
             <a:r>
               <a:rPr lang="ru-RU" dirty="0" smtClean="0"/>
-              <a:t>Выберем нужные </a:t>
-            </a:r>
+              <a:t>Выберем нужные ключи</a:t>
+            </a:r>
+          </a:p>
+          <a:p>
+            <a:pPr algn="ctr"/>
             <a:r>
               <a:rPr lang="ru-RU" dirty="0" smtClean="0"/>
-              <a:t>ключи</a:t>
-            </a:r>
-          </a:p>
-          <a:p>
-            <a:pPr algn="ctr"/>
-            <a:r>
-              <a:rPr lang="ru-RU" dirty="0" smtClean="0"/>
-              <a:t>во </a:t>
-            </a:r>
-            <a:r>
-              <a:rPr lang="ru-RU" dirty="0" smtClean="0"/>
-              <a:t>вкладке</a:t>
+              <a:t>во вкладке</a:t>
             </a:r>
           </a:p>
           <a:p>
@@ -3194,6 +3184,275 @@
           <a:chExt cx="0" cy="0"/>
         </a:xfrm>
       </p:grpSpPr>
+      <p:cxnSp>
+        <p:nvCxnSpPr>
+          <p:cNvPr id="2" name="Прямая соединительная линия 1"/>
+          <p:cNvCxnSpPr/>
+          <p:nvPr/>
+        </p:nvCxnSpPr>
+        <p:spPr>
+          <a:xfrm flipV="1">
+            <a:off x="1526300" y="4931100"/>
+            <a:ext cx="3738719" cy="8312"/>
+          </a:xfrm>
+          <a:prstGeom prst="line">
+            <a:avLst/>
+          </a:prstGeom>
+          <a:ln w="38100">
+            <a:solidFill>
+              <a:srgbClr val="FF0000"/>
+            </a:solidFill>
+          </a:ln>
+        </p:spPr>
+        <p:style>
+          <a:lnRef idx="1">
+            <a:schemeClr val="accent1"/>
+          </a:lnRef>
+          <a:fillRef idx="0">
+            <a:schemeClr val="accent1"/>
+          </a:fillRef>
+          <a:effectRef idx="0">
+            <a:schemeClr val="accent1"/>
+          </a:effectRef>
+          <a:fontRef idx="minor">
+            <a:schemeClr val="tx1"/>
+          </a:fontRef>
+        </p:style>
+      </p:cxnSp>
+      <p:pic>
+        <p:nvPicPr>
+          <p:cNvPr id="3" name="Рисунок 2"/>
+          <p:cNvPicPr>
+            <a:picLocks noChangeAspect="1"/>
+          </p:cNvPicPr>
+          <p:nvPr/>
+        </p:nvPicPr>
+        <p:blipFill>
+          <a:blip r:embed="rId2"/>
+          <a:stretch>
+            <a:fillRect/>
+          </a:stretch>
+        </p:blipFill>
+        <p:spPr>
+          <a:xfrm>
+            <a:off x="484096" y="874641"/>
+            <a:ext cx="10397561" cy="5333654"/>
+          </a:xfrm>
+          <a:prstGeom prst="rect">
+            <a:avLst/>
+          </a:prstGeom>
+        </p:spPr>
+      </p:pic>
+      <p:cxnSp>
+        <p:nvCxnSpPr>
+          <p:cNvPr id="4" name="Прямая соединительная линия 3"/>
+          <p:cNvCxnSpPr/>
+          <p:nvPr/>
+        </p:nvCxnSpPr>
+        <p:spPr>
+          <a:xfrm flipV="1">
+            <a:off x="990404" y="5408514"/>
+            <a:ext cx="3596033" cy="12291"/>
+          </a:xfrm>
+          <a:prstGeom prst="line">
+            <a:avLst/>
+          </a:prstGeom>
+          <a:ln w="38100">
+            <a:solidFill>
+              <a:srgbClr val="FF0000"/>
+            </a:solidFill>
+          </a:ln>
+        </p:spPr>
+        <p:style>
+          <a:lnRef idx="1">
+            <a:schemeClr val="accent1"/>
+          </a:lnRef>
+          <a:fillRef idx="0">
+            <a:schemeClr val="accent1"/>
+          </a:fillRef>
+          <a:effectRef idx="0">
+            <a:schemeClr val="accent1"/>
+          </a:effectRef>
+          <a:fontRef idx="minor">
+            <a:schemeClr val="tx1"/>
+          </a:fontRef>
+        </p:style>
+      </p:cxnSp>
+      <p:cxnSp>
+        <p:nvCxnSpPr>
+          <p:cNvPr id="6" name="Прямая соединительная линия 5"/>
+          <p:cNvCxnSpPr/>
+          <p:nvPr/>
+        </p:nvCxnSpPr>
+        <p:spPr>
+          <a:xfrm>
+            <a:off x="990404" y="5623351"/>
+            <a:ext cx="2300633" cy="4643"/>
+          </a:xfrm>
+          <a:prstGeom prst="line">
+            <a:avLst/>
+          </a:prstGeom>
+          <a:ln w="38100">
+            <a:solidFill>
+              <a:srgbClr val="FF0000"/>
+            </a:solidFill>
+          </a:ln>
+        </p:spPr>
+        <p:style>
+          <a:lnRef idx="1">
+            <a:schemeClr val="accent1"/>
+          </a:lnRef>
+          <a:fillRef idx="0">
+            <a:schemeClr val="accent1"/>
+          </a:fillRef>
+          <a:effectRef idx="0">
+            <a:schemeClr val="accent1"/>
+          </a:effectRef>
+          <a:fontRef idx="minor">
+            <a:schemeClr val="tx1"/>
+          </a:fontRef>
+        </p:style>
+      </p:cxnSp>
+      <p:sp>
+        <p:nvSpPr>
+          <p:cNvPr id="8" name="Прямоугольник 7"/>
+          <p:cNvSpPr/>
+          <p:nvPr/>
+        </p:nvSpPr>
+        <p:spPr>
+          <a:xfrm>
+            <a:off x="3002583" y="339027"/>
+            <a:ext cx="6372607" cy="369332"/>
+          </a:xfrm>
+          <a:prstGeom prst="rect">
+            <a:avLst/>
+          </a:prstGeom>
+        </p:spPr>
+        <p:style>
+          <a:lnRef idx="2">
+            <a:schemeClr val="accent5"/>
+          </a:lnRef>
+          <a:fillRef idx="1">
+            <a:schemeClr val="lt1"/>
+          </a:fillRef>
+          <a:effectRef idx="0">
+            <a:schemeClr val="accent5"/>
+          </a:effectRef>
+          <a:fontRef idx="minor">
+            <a:schemeClr val="dk1"/>
+          </a:fontRef>
+        </p:style>
+        <p:txBody>
+          <a:bodyPr wrap="square">
+            <a:spAutoFit/>
+          </a:bodyPr>
+          <a:lstStyle/>
+          <a:p>
+            <a:pPr algn="ctr"/>
+            <a:r>
+              <a:rPr lang="ru-RU" b="1" dirty="0" smtClean="0">
+                <a:solidFill>
+                  <a:srgbClr val="FF0000"/>
+                </a:solidFill>
+              </a:rPr>
+              <a:t>Установим при помощи ключей на вход ЦАП код 00000000</a:t>
+            </a:r>
+            <a:endParaRPr lang="ru-RU" b="1" dirty="0">
+              <a:solidFill>
+                <a:srgbClr val="FF0000"/>
+              </a:solidFill>
+            </a:endParaRPr>
+          </a:p>
+        </p:txBody>
+      </p:sp>
+      <p:sp>
+        <p:nvSpPr>
+          <p:cNvPr id="9" name="Овал 8"/>
+          <p:cNvSpPr/>
+          <p:nvPr/>
+        </p:nvSpPr>
+        <p:spPr>
+          <a:xfrm>
+            <a:off x="6529716" y="4077148"/>
+            <a:ext cx="873538" cy="880534"/>
+          </a:xfrm>
+          <a:prstGeom prst="ellipse">
+            <a:avLst/>
+          </a:prstGeom>
+          <a:noFill/>
+          <a:ln w="38100">
+            <a:solidFill>
+              <a:srgbClr val="FF0000"/>
+            </a:solidFill>
+          </a:ln>
+        </p:spPr>
+        <p:style>
+          <a:lnRef idx="0">
+            <a:scrgbClr r="0" g="0" b="0"/>
+          </a:lnRef>
+          <a:fillRef idx="0">
+            <a:scrgbClr r="0" g="0" b="0"/>
+          </a:fillRef>
+          <a:effectRef idx="0">
+            <a:scrgbClr r="0" g="0" b="0"/>
+          </a:effectRef>
+          <a:fontRef idx="minor">
+            <a:schemeClr val="accent2"/>
+          </a:fontRef>
+        </p:style>
+        <p:txBody>
+          <a:bodyPr rtlCol="0" anchor="ctr"/>
+          <a:lstStyle/>
+          <a:p>
+            <a:pPr algn="ctr"/>
+            <a:endParaRPr lang="ru-RU" dirty="0"/>
+          </a:p>
+        </p:txBody>
+      </p:sp>
+      <p:sp>
+        <p:nvSpPr>
+          <p:cNvPr id="10" name="Овал 9"/>
+          <p:cNvSpPr/>
+          <p:nvPr/>
+        </p:nvSpPr>
+        <p:spPr>
+          <a:xfrm>
+            <a:off x="9531638" y="4058878"/>
+            <a:ext cx="1263392" cy="880534"/>
+          </a:xfrm>
+          <a:prstGeom prst="ellipse">
+            <a:avLst/>
+          </a:prstGeom>
+          <a:noFill/>
+          <a:ln w="38100">
+            <a:solidFill>
+              <a:srgbClr val="FF0000"/>
+            </a:solidFill>
+          </a:ln>
+        </p:spPr>
+        <p:style>
+          <a:lnRef idx="0">
+            <a:scrgbClr r="0" g="0" b="0"/>
+          </a:lnRef>
+          <a:fillRef idx="0">
+            <a:scrgbClr r="0" g="0" b="0"/>
+          </a:fillRef>
+          <a:effectRef idx="0">
+            <a:scrgbClr r="0" g="0" b="0"/>
+          </a:effectRef>
+          <a:fontRef idx="minor">
+            <a:schemeClr val="accent2"/>
+          </a:fontRef>
+        </p:style>
+        <p:txBody>
+          <a:bodyPr rtlCol="0" anchor="ctr"/>
+          <a:lstStyle/>
+          <a:p>
+            <a:pPr algn="ctr"/>
+            <a:endParaRPr lang="ru-RU" dirty="0"/>
+          </a:p>
+        </p:txBody>
+      </p:sp>
     </p:spTree>
     <p:extLst>
       <p:ext uri="{BB962C8B-B14F-4D97-AF65-F5344CB8AC3E}">
@@ -3224,6 +3483,323 @@
           <a:chExt cx="0" cy="0"/>
         </a:xfrm>
       </p:grpSpPr>
+      <p:pic>
+        <p:nvPicPr>
+          <p:cNvPr id="2" name="Рисунок 1"/>
+          <p:cNvPicPr>
+            <a:picLocks noChangeAspect="1"/>
+          </p:cNvPicPr>
+          <p:nvPr/>
+        </p:nvPicPr>
+        <p:blipFill>
+          <a:blip r:embed="rId2"/>
+          <a:stretch>
+            <a:fillRect/>
+          </a:stretch>
+        </p:blipFill>
+        <p:spPr>
+          <a:xfrm>
+            <a:off x="866173" y="818148"/>
+            <a:ext cx="10230206" cy="5265018"/>
+          </a:xfrm>
+          <a:prstGeom prst="rect">
+            <a:avLst/>
+          </a:prstGeom>
+        </p:spPr>
+      </p:pic>
+      <p:cxnSp>
+        <p:nvCxnSpPr>
+          <p:cNvPr id="3" name="Прямая соединительная линия 2"/>
+          <p:cNvCxnSpPr/>
+          <p:nvPr/>
+        </p:nvCxnSpPr>
+        <p:spPr>
+          <a:xfrm flipV="1">
+            <a:off x="1365789" y="5611528"/>
+            <a:ext cx="3812603" cy="21034"/>
+          </a:xfrm>
+          <a:prstGeom prst="line">
+            <a:avLst/>
+          </a:prstGeom>
+          <a:ln w="38100">
+            <a:solidFill>
+              <a:srgbClr val="FF0000"/>
+            </a:solidFill>
+          </a:ln>
+        </p:spPr>
+        <p:style>
+          <a:lnRef idx="1">
+            <a:schemeClr val="accent1"/>
+          </a:lnRef>
+          <a:fillRef idx="0">
+            <a:schemeClr val="accent1"/>
+          </a:fillRef>
+          <a:effectRef idx="0">
+            <a:schemeClr val="accent1"/>
+          </a:effectRef>
+          <a:fontRef idx="minor">
+            <a:schemeClr val="tx1"/>
+          </a:fontRef>
+        </p:style>
+      </p:cxnSp>
+      <p:cxnSp>
+        <p:nvCxnSpPr>
+          <p:cNvPr id="5" name="Прямая соединительная линия 4"/>
+          <p:cNvCxnSpPr/>
+          <p:nvPr/>
+        </p:nvCxnSpPr>
+        <p:spPr>
+          <a:xfrm flipV="1">
+            <a:off x="1288787" y="5851718"/>
+            <a:ext cx="4909882" cy="1"/>
+          </a:xfrm>
+          <a:prstGeom prst="line">
+            <a:avLst/>
+          </a:prstGeom>
+          <a:ln w="38100">
+            <a:solidFill>
+              <a:srgbClr val="FF0000"/>
+            </a:solidFill>
+          </a:ln>
+        </p:spPr>
+        <p:style>
+          <a:lnRef idx="1">
+            <a:schemeClr val="accent1"/>
+          </a:lnRef>
+          <a:fillRef idx="0">
+            <a:schemeClr val="accent1"/>
+          </a:fillRef>
+          <a:effectRef idx="0">
+            <a:schemeClr val="accent1"/>
+          </a:effectRef>
+          <a:fontRef idx="minor">
+            <a:schemeClr val="tx1"/>
+          </a:fontRef>
+        </p:style>
+      </p:cxnSp>
+      <p:cxnSp>
+        <p:nvCxnSpPr>
+          <p:cNvPr id="7" name="Прямая со стрелкой 6"/>
+          <p:cNvCxnSpPr/>
+          <p:nvPr/>
+        </p:nvCxnSpPr>
+        <p:spPr>
+          <a:xfrm flipV="1">
+            <a:off x="1703672" y="3108961"/>
+            <a:ext cx="1049153" cy="2290812"/>
+          </a:xfrm>
+          <a:prstGeom prst="straightConnector1">
+            <a:avLst/>
+          </a:prstGeom>
+          <a:ln w="38100">
+            <a:solidFill>
+              <a:srgbClr val="FF0000"/>
+            </a:solidFill>
+            <a:tailEnd type="triangle"/>
+          </a:ln>
+        </p:spPr>
+        <p:style>
+          <a:lnRef idx="1">
+            <a:schemeClr val="accent1"/>
+          </a:lnRef>
+          <a:fillRef idx="0">
+            <a:schemeClr val="accent1"/>
+          </a:fillRef>
+          <a:effectRef idx="0">
+            <a:schemeClr val="accent1"/>
+          </a:effectRef>
+          <a:fontRef idx="minor">
+            <a:schemeClr val="tx1"/>
+          </a:fontRef>
+        </p:style>
+      </p:cxnSp>
+      <p:cxnSp>
+        <p:nvCxnSpPr>
+          <p:cNvPr id="10" name="Прямая со стрелкой 9"/>
+          <p:cNvCxnSpPr/>
+          <p:nvPr/>
+        </p:nvCxnSpPr>
+        <p:spPr>
+          <a:xfrm flipV="1">
+            <a:off x="1578543" y="3108961"/>
+            <a:ext cx="1607419" cy="2502567"/>
+          </a:xfrm>
+          <a:prstGeom prst="straightConnector1">
+            <a:avLst/>
+          </a:prstGeom>
+          <a:ln w="38100">
+            <a:solidFill>
+              <a:srgbClr val="FF0000"/>
+            </a:solidFill>
+            <a:tailEnd type="triangle"/>
+          </a:ln>
+        </p:spPr>
+        <p:style>
+          <a:lnRef idx="1">
+            <a:schemeClr val="accent1"/>
+          </a:lnRef>
+          <a:fillRef idx="0">
+            <a:schemeClr val="accent1"/>
+          </a:fillRef>
+          <a:effectRef idx="0">
+            <a:schemeClr val="accent1"/>
+          </a:effectRef>
+          <a:fontRef idx="minor">
+            <a:schemeClr val="tx1"/>
+          </a:fontRef>
+        </p:style>
+      </p:cxnSp>
+      <p:cxnSp>
+        <p:nvCxnSpPr>
+          <p:cNvPr id="14" name="Прямая со стрелкой 13"/>
+          <p:cNvCxnSpPr/>
+          <p:nvPr/>
+        </p:nvCxnSpPr>
+        <p:spPr>
+          <a:xfrm flipV="1">
+            <a:off x="1578543" y="3108961"/>
+            <a:ext cx="2050181" cy="2502567"/>
+          </a:xfrm>
+          <a:prstGeom prst="straightConnector1">
+            <a:avLst/>
+          </a:prstGeom>
+          <a:ln w="38100">
+            <a:solidFill>
+              <a:srgbClr val="FF0000"/>
+            </a:solidFill>
+            <a:tailEnd type="triangle"/>
+          </a:ln>
+        </p:spPr>
+        <p:style>
+          <a:lnRef idx="1">
+            <a:schemeClr val="accent1"/>
+          </a:lnRef>
+          <a:fillRef idx="0">
+            <a:schemeClr val="accent1"/>
+          </a:fillRef>
+          <a:effectRef idx="0">
+            <a:schemeClr val="accent1"/>
+          </a:effectRef>
+          <a:fontRef idx="minor">
+            <a:schemeClr val="tx1"/>
+          </a:fontRef>
+        </p:style>
+      </p:cxnSp>
+      <p:sp>
+        <p:nvSpPr>
+          <p:cNvPr id="20" name="Прямоугольник 19"/>
+          <p:cNvSpPr/>
+          <p:nvPr/>
+        </p:nvSpPr>
+        <p:spPr>
+          <a:xfrm>
+            <a:off x="4723772" y="1051296"/>
+            <a:ext cx="6372607" cy="369332"/>
+          </a:xfrm>
+          <a:prstGeom prst="rect">
+            <a:avLst/>
+          </a:prstGeom>
+        </p:spPr>
+        <p:style>
+          <a:lnRef idx="2">
+            <a:schemeClr val="accent5"/>
+          </a:lnRef>
+          <a:fillRef idx="1">
+            <a:schemeClr val="lt1"/>
+          </a:fillRef>
+          <a:effectRef idx="0">
+            <a:schemeClr val="accent5"/>
+          </a:effectRef>
+          <a:fontRef idx="minor">
+            <a:schemeClr val="dk1"/>
+          </a:fontRef>
+        </p:style>
+        <p:txBody>
+          <a:bodyPr wrap="square">
+            <a:spAutoFit/>
+          </a:bodyPr>
+          <a:lstStyle/>
+          <a:p>
+            <a:pPr algn="ctr"/>
+            <a:r>
+              <a:rPr lang="ru-RU" b="1" dirty="0" smtClean="0">
+                <a:solidFill>
+                  <a:srgbClr val="FF0000"/>
+                </a:solidFill>
+              </a:rPr>
+              <a:t>Установим при помощи ключей на вход ЦАП код 11100000</a:t>
+            </a:r>
+            <a:endParaRPr lang="ru-RU" b="1" dirty="0">
+              <a:solidFill>
+                <a:srgbClr val="FF0000"/>
+              </a:solidFill>
+            </a:endParaRPr>
+          </a:p>
+        </p:txBody>
+      </p:sp>
+      <p:sp>
+        <p:nvSpPr>
+          <p:cNvPr id="21" name="Прямоугольник 20"/>
+          <p:cNvSpPr/>
+          <p:nvPr/>
+        </p:nvSpPr>
+        <p:spPr>
+          <a:xfrm>
+            <a:off x="6537158" y="1536487"/>
+            <a:ext cx="4559221" cy="923330"/>
+          </a:xfrm>
+          <a:prstGeom prst="rect">
+            <a:avLst/>
+          </a:prstGeom>
+        </p:spPr>
+        <p:style>
+          <a:lnRef idx="2">
+            <a:schemeClr val="accent5"/>
+          </a:lnRef>
+          <a:fillRef idx="1">
+            <a:schemeClr val="lt1"/>
+          </a:fillRef>
+          <a:effectRef idx="0">
+            <a:schemeClr val="accent5"/>
+          </a:effectRef>
+          <a:fontRef idx="minor">
+            <a:schemeClr val="dk1"/>
+          </a:fontRef>
+        </p:style>
+        <p:txBody>
+          <a:bodyPr wrap="square">
+            <a:spAutoFit/>
+          </a:bodyPr>
+          <a:lstStyle/>
+          <a:p>
+            <a:pPr algn="ctr"/>
+            <a:r>
+              <a:rPr lang="ru-RU" b="1" dirty="0" smtClean="0">
+                <a:solidFill>
+                  <a:srgbClr val="FF0000"/>
+                </a:solidFill>
+              </a:rPr>
+              <a:t>Заметим, младшие разряды имеют большее сопротивление</a:t>
+            </a:r>
+          </a:p>
+          <a:p>
+            <a:pPr algn="ctr"/>
+            <a:r>
+              <a:rPr lang="ru-RU" b="1" dirty="0" smtClean="0">
+                <a:solidFill>
+                  <a:srgbClr val="FF0000"/>
+                </a:solidFill>
+              </a:rPr>
+              <a:t>резисторов</a:t>
+            </a:r>
+            <a:endParaRPr lang="ru-RU" b="1" dirty="0">
+              <a:solidFill>
+                <a:srgbClr val="FF0000"/>
+              </a:solidFill>
+            </a:endParaRPr>
+          </a:p>
+        </p:txBody>
+      </p:sp>
     </p:spTree>
     <p:extLst>
       <p:ext uri="{BB962C8B-B14F-4D97-AF65-F5344CB8AC3E}">
@@ -3254,6 +3830,235 @@
           <a:chExt cx="0" cy="0"/>
         </a:xfrm>
       </p:grpSpPr>
+      <p:pic>
+        <p:nvPicPr>
+          <p:cNvPr id="2" name="Рисунок 1"/>
+          <p:cNvPicPr>
+            <a:picLocks noChangeAspect="1"/>
+          </p:cNvPicPr>
+          <p:nvPr/>
+        </p:nvPicPr>
+        <p:blipFill>
+          <a:blip r:embed="rId2"/>
+          <a:stretch>
+            <a:fillRect/>
+          </a:stretch>
+        </p:blipFill>
+        <p:spPr>
+          <a:xfrm>
+            <a:off x="943275" y="654518"/>
+            <a:ext cx="10653617" cy="5482928"/>
+          </a:xfrm>
+          <a:prstGeom prst="rect">
+            <a:avLst/>
+          </a:prstGeom>
+        </p:spPr>
+      </p:pic>
+      <p:cxnSp>
+        <p:nvCxnSpPr>
+          <p:cNvPr id="3" name="Прямая соединительная линия 2"/>
+          <p:cNvCxnSpPr/>
+          <p:nvPr/>
+        </p:nvCxnSpPr>
+        <p:spPr>
+          <a:xfrm flipV="1">
+            <a:off x="6515304" y="5419023"/>
+            <a:ext cx="3812603" cy="21034"/>
+          </a:xfrm>
+          <a:prstGeom prst="line">
+            <a:avLst/>
+          </a:prstGeom>
+          <a:ln w="38100">
+            <a:solidFill>
+              <a:srgbClr val="FF0000"/>
+            </a:solidFill>
+          </a:ln>
+        </p:spPr>
+        <p:style>
+          <a:lnRef idx="1">
+            <a:schemeClr val="accent1"/>
+          </a:lnRef>
+          <a:fillRef idx="0">
+            <a:schemeClr val="accent1"/>
+          </a:fillRef>
+          <a:effectRef idx="0">
+            <a:schemeClr val="accent1"/>
+          </a:effectRef>
+          <a:fontRef idx="minor">
+            <a:schemeClr val="tx1"/>
+          </a:fontRef>
+        </p:style>
+      </p:cxnSp>
+      <p:cxnSp>
+        <p:nvCxnSpPr>
+          <p:cNvPr id="4" name="Прямая соединительная линия 3"/>
+          <p:cNvCxnSpPr/>
+          <p:nvPr/>
+        </p:nvCxnSpPr>
+        <p:spPr>
+          <a:xfrm flipV="1">
+            <a:off x="6515304" y="5630779"/>
+            <a:ext cx="4390119" cy="21033"/>
+          </a:xfrm>
+          <a:prstGeom prst="line">
+            <a:avLst/>
+          </a:prstGeom>
+          <a:ln w="38100">
+            <a:solidFill>
+              <a:srgbClr val="FF0000"/>
+            </a:solidFill>
+          </a:ln>
+        </p:spPr>
+        <p:style>
+          <a:lnRef idx="1">
+            <a:schemeClr val="accent1"/>
+          </a:lnRef>
+          <a:fillRef idx="0">
+            <a:schemeClr val="accent1"/>
+          </a:fillRef>
+          <a:effectRef idx="0">
+            <a:schemeClr val="accent1"/>
+          </a:effectRef>
+          <a:fontRef idx="minor">
+            <a:schemeClr val="tx1"/>
+          </a:fontRef>
+        </p:style>
+      </p:cxnSp>
+      <p:cxnSp>
+        <p:nvCxnSpPr>
+          <p:cNvPr id="6" name="Прямая со стрелкой 5"/>
+          <p:cNvCxnSpPr/>
+          <p:nvPr/>
+        </p:nvCxnSpPr>
+        <p:spPr>
+          <a:xfrm flipV="1">
+            <a:off x="6583680" y="4523874"/>
+            <a:ext cx="3638349" cy="895150"/>
+          </a:xfrm>
+          <a:prstGeom prst="straightConnector1">
+            <a:avLst/>
+          </a:prstGeom>
+          <a:ln w="38100">
+            <a:solidFill>
+              <a:srgbClr val="FF0000"/>
+            </a:solidFill>
+            <a:tailEnd type="triangle"/>
+          </a:ln>
+        </p:spPr>
+        <p:style>
+          <a:lnRef idx="1">
+            <a:schemeClr val="accent1"/>
+          </a:lnRef>
+          <a:fillRef idx="0">
+            <a:schemeClr val="accent1"/>
+          </a:fillRef>
+          <a:effectRef idx="0">
+            <a:schemeClr val="accent1"/>
+          </a:effectRef>
+          <a:fontRef idx="minor">
+            <a:schemeClr val="tx1"/>
+          </a:fontRef>
+        </p:style>
+      </p:cxnSp>
+      <p:cxnSp>
+        <p:nvCxnSpPr>
+          <p:cNvPr id="8" name="Прямая со стрелкой 7"/>
+          <p:cNvCxnSpPr/>
+          <p:nvPr/>
+        </p:nvCxnSpPr>
+        <p:spPr>
+          <a:xfrm flipV="1">
+            <a:off x="6515304" y="4726004"/>
+            <a:ext cx="732519" cy="714054"/>
+          </a:xfrm>
+          <a:prstGeom prst="straightConnector1">
+            <a:avLst/>
+          </a:prstGeom>
+          <a:ln w="38100">
+            <a:solidFill>
+              <a:srgbClr val="FF0000"/>
+            </a:solidFill>
+            <a:tailEnd type="triangle"/>
+          </a:ln>
+        </p:spPr>
+        <p:style>
+          <a:lnRef idx="1">
+            <a:schemeClr val="accent1"/>
+          </a:lnRef>
+          <a:fillRef idx="0">
+            <a:schemeClr val="accent1"/>
+          </a:fillRef>
+          <a:effectRef idx="0">
+            <a:schemeClr val="accent1"/>
+          </a:effectRef>
+          <a:fontRef idx="minor">
+            <a:schemeClr val="tx1"/>
+          </a:fontRef>
+        </p:style>
+      </p:cxnSp>
+      <p:sp>
+        <p:nvSpPr>
+          <p:cNvPr id="11" name="Прямоугольник 10"/>
+          <p:cNvSpPr/>
+          <p:nvPr/>
+        </p:nvSpPr>
+        <p:spPr>
+          <a:xfrm>
+            <a:off x="6537158" y="1536487"/>
+            <a:ext cx="4559221" cy="646331"/>
+          </a:xfrm>
+          <a:prstGeom prst="rect">
+            <a:avLst/>
+          </a:prstGeom>
+        </p:spPr>
+        <p:style>
+          <a:lnRef idx="2">
+            <a:schemeClr val="accent5"/>
+          </a:lnRef>
+          <a:fillRef idx="1">
+            <a:schemeClr val="lt1"/>
+          </a:fillRef>
+          <a:effectRef idx="0">
+            <a:schemeClr val="accent5"/>
+          </a:effectRef>
+          <a:fontRef idx="minor">
+            <a:schemeClr val="dk1"/>
+          </a:fontRef>
+        </p:style>
+        <p:txBody>
+          <a:bodyPr wrap="square">
+            <a:spAutoFit/>
+          </a:bodyPr>
+          <a:lstStyle/>
+          <a:p>
+            <a:pPr algn="ctr"/>
+            <a:r>
+              <a:rPr lang="ru-RU" b="1" dirty="0" smtClean="0">
+                <a:solidFill>
+                  <a:srgbClr val="FF0000"/>
+                </a:solidFill>
+              </a:rPr>
+              <a:t>Коэффициент усиления ОУ изменился</a:t>
+            </a:r>
+          </a:p>
+          <a:p>
+            <a:pPr algn="ctr"/>
+            <a:r>
+              <a:rPr lang="ru-RU" b="1" dirty="0" smtClean="0">
+                <a:solidFill>
+                  <a:srgbClr val="FF0000"/>
+                </a:solidFill>
+              </a:rPr>
+              <a:t>И стал равным 0.0023</a:t>
+            </a:r>
+            <a:endParaRPr lang="ru-RU" b="1" dirty="0">
+              <a:solidFill>
+                <a:srgbClr val="FF0000"/>
+              </a:solidFill>
+            </a:endParaRPr>
+          </a:p>
+        </p:txBody>
+      </p:sp>
     </p:spTree>
     <p:extLst>
       <p:ext uri="{BB962C8B-B14F-4D97-AF65-F5344CB8AC3E}">
@@ -3284,6 +4089,109 @@
           <a:chExt cx="0" cy="0"/>
         </a:xfrm>
       </p:grpSpPr>
+      <p:pic>
+        <p:nvPicPr>
+          <p:cNvPr id="3" name="Рисунок 2"/>
+          <p:cNvPicPr>
+            <a:picLocks noChangeAspect="1"/>
+          </p:cNvPicPr>
+          <p:nvPr/>
+        </p:nvPicPr>
+        <p:blipFill>
+          <a:blip r:embed="rId2"/>
+          <a:stretch>
+            <a:fillRect/>
+          </a:stretch>
+        </p:blipFill>
+        <p:spPr>
+          <a:xfrm>
+            <a:off x="2194409" y="2219274"/>
+            <a:ext cx="7896225" cy="3629025"/>
+          </a:xfrm>
+          <a:prstGeom prst="rect">
+            <a:avLst/>
+          </a:prstGeom>
+        </p:spPr>
+      </p:pic>
+      <p:sp>
+        <p:nvSpPr>
+          <p:cNvPr id="4" name="Прямоугольник 3"/>
+          <p:cNvSpPr/>
+          <p:nvPr/>
+        </p:nvSpPr>
+        <p:spPr>
+          <a:xfrm>
+            <a:off x="2057399" y="1286230"/>
+            <a:ext cx="8478252" cy="646331"/>
+          </a:xfrm>
+          <a:prstGeom prst="rect">
+            <a:avLst/>
+          </a:prstGeom>
+        </p:spPr>
+        <p:style>
+          <a:lnRef idx="2">
+            <a:schemeClr val="accent5"/>
+          </a:lnRef>
+          <a:fillRef idx="1">
+            <a:schemeClr val="lt1"/>
+          </a:fillRef>
+          <a:effectRef idx="0">
+            <a:schemeClr val="accent5"/>
+          </a:effectRef>
+          <a:fontRef idx="minor">
+            <a:schemeClr val="dk1"/>
+          </a:fontRef>
+        </p:style>
+        <p:txBody>
+          <a:bodyPr wrap="square">
+            <a:spAutoFit/>
+          </a:bodyPr>
+          <a:lstStyle/>
+          <a:p>
+            <a:pPr algn="ctr"/>
+            <a:r>
+              <a:rPr lang="ru-RU" b="1" dirty="0" smtClean="0">
+                <a:solidFill>
+                  <a:srgbClr val="FF0000"/>
+                </a:solidFill>
+              </a:rPr>
+              <a:t>Продолжая вводить двоичные коды на вход </a:t>
+            </a:r>
+            <a:r>
+              <a:rPr lang="ru-RU" b="1" dirty="0" smtClean="0">
+                <a:solidFill>
+                  <a:srgbClr val="FF0000"/>
+                </a:solidFill>
+              </a:rPr>
+              <a:t>ЦАП, заполним таблицу,</a:t>
+            </a:r>
+          </a:p>
+          <a:p>
+            <a:pPr algn="ctr"/>
+            <a:r>
+              <a:rPr lang="ru-RU" b="1" dirty="0">
+                <a:solidFill>
+                  <a:srgbClr val="FF0000"/>
+                </a:solidFill>
+              </a:rPr>
+              <a:t>с</a:t>
+            </a:r>
+            <a:r>
+              <a:rPr lang="ru-RU" b="1" dirty="0" smtClean="0">
+                <a:solidFill>
+                  <a:srgbClr val="FF0000"/>
+                </a:solidFill>
+              </a:rPr>
+              <a:t>нимая показания амперметра, вольтметра и вычисляя коэффициент усиления ОУ</a:t>
+            </a:r>
+            <a:endParaRPr lang="ru-RU" b="1" dirty="0">
+              <a:solidFill>
+                <a:srgbClr val="FF0000"/>
+              </a:solidFill>
+            </a:endParaRPr>
+          </a:p>
+        </p:txBody>
+      </p:sp>
     </p:spTree>
     <p:extLst>
       <p:ext uri="{BB962C8B-B14F-4D97-AF65-F5344CB8AC3E}">
@@ -3314,6 +4222,287 @@
           <a:chExt cx="0" cy="0"/>
         </a:xfrm>
       </p:grpSpPr>
+      <p:pic>
+        <p:nvPicPr>
+          <p:cNvPr id="2" name="Рисунок 1"/>
+          <p:cNvPicPr>
+            <a:picLocks noChangeAspect="1"/>
+          </p:cNvPicPr>
+          <p:nvPr/>
+        </p:nvPicPr>
+        <p:blipFill>
+          <a:blip r:embed="rId2"/>
+          <a:stretch>
+            <a:fillRect/>
+          </a:stretch>
+        </p:blipFill>
+        <p:spPr>
+          <a:xfrm>
+            <a:off x="1924902" y="2556158"/>
+            <a:ext cx="7896225" cy="3629025"/>
+          </a:xfrm>
+          <a:prstGeom prst="rect">
+            <a:avLst/>
+          </a:prstGeom>
+        </p:spPr>
+      </p:pic>
+      <p:sp>
+        <p:nvSpPr>
+          <p:cNvPr id="3" name="Прямоугольник 2"/>
+          <p:cNvSpPr/>
+          <p:nvPr/>
+        </p:nvSpPr>
+        <p:spPr>
+          <a:xfrm>
+            <a:off x="1633888" y="1045598"/>
+            <a:ext cx="8478252" cy="1200329"/>
+          </a:xfrm>
+          <a:prstGeom prst="rect">
+            <a:avLst/>
+          </a:prstGeom>
+        </p:spPr>
+        <p:style>
+          <a:lnRef idx="2">
+            <a:schemeClr val="accent5"/>
+          </a:lnRef>
+          <a:fillRef idx="1">
+            <a:schemeClr val="lt1"/>
+          </a:fillRef>
+          <a:effectRef idx="0">
+            <a:schemeClr val="accent5"/>
+          </a:effectRef>
+          <a:fontRef idx="minor">
+            <a:schemeClr val="dk1"/>
+          </a:fontRef>
+        </p:style>
+        <p:txBody>
+          <a:bodyPr wrap="square">
+            <a:spAutoFit/>
+          </a:bodyPr>
+          <a:lstStyle/>
+          <a:p>
+            <a:pPr algn="ctr"/>
+            <a:r>
+              <a:rPr lang="ru-RU" b="1" dirty="0" smtClean="0">
+                <a:solidFill>
+                  <a:srgbClr val="FF0000"/>
+                </a:solidFill>
+              </a:rPr>
+              <a:t>Заметим,</a:t>
+            </a:r>
+            <a:r>
+              <a:rPr lang="ru-RU" dirty="0"/>
+              <a:t> При присоединении источника напряжения и замыкании ключей, через каждый резистор </a:t>
+            </a:r>
+            <a:r>
+              <a:rPr lang="ru-RU" dirty="0" smtClean="0"/>
+              <a:t>течет ток. Токи через резисторы, </a:t>
+            </a:r>
+            <a:r>
+              <a:rPr lang="ru-RU" dirty="0"/>
+              <a:t>пропорциональные </a:t>
+            </a:r>
+            <a:r>
+              <a:rPr lang="ru-RU" dirty="0" smtClean="0"/>
+              <a:t>весам  разрядов </a:t>
+            </a:r>
+            <a:r>
+              <a:rPr lang="ru-RU" dirty="0"/>
+              <a:t>и величина вытекающего из узла тока в целом будет пропорциональна значению входного кода </a:t>
+            </a:r>
+            <a:r>
+              <a:rPr lang="ru-RU" i="1" dirty="0" err="1"/>
+              <a:t>N</a:t>
+            </a:r>
+            <a:r>
+              <a:rPr lang="ru-RU" i="1" baseline="-25000" dirty="0" err="1"/>
+              <a:t>вх</a:t>
+            </a:r>
+            <a:r>
+              <a:rPr lang="ru-RU" dirty="0"/>
+              <a:t>.</a:t>
+            </a:r>
+            <a:endParaRPr lang="ru-RU" b="1" dirty="0">
+              <a:solidFill>
+                <a:srgbClr val="FF0000"/>
+              </a:solidFill>
+            </a:endParaRPr>
+          </a:p>
+        </p:txBody>
+      </p:sp>
+      <p:cxnSp>
+        <p:nvCxnSpPr>
+          <p:cNvPr id="4" name="Прямая соединительная линия 3"/>
+          <p:cNvCxnSpPr/>
+          <p:nvPr/>
+        </p:nvCxnSpPr>
+        <p:spPr>
+          <a:xfrm flipV="1">
+            <a:off x="2337941" y="4928135"/>
+            <a:ext cx="7162194" cy="1782"/>
+          </a:xfrm>
+          <a:prstGeom prst="line">
+            <a:avLst/>
+          </a:prstGeom>
+          <a:ln w="38100">
+            <a:solidFill>
+              <a:srgbClr val="FF0000"/>
+            </a:solidFill>
+          </a:ln>
+        </p:spPr>
+        <p:style>
+          <a:lnRef idx="1">
+            <a:schemeClr val="accent1"/>
+          </a:lnRef>
+          <a:fillRef idx="0">
+            <a:schemeClr val="accent1"/>
+          </a:fillRef>
+          <a:effectRef idx="0">
+            <a:schemeClr val="accent1"/>
+          </a:effectRef>
+          <a:fontRef idx="minor">
+            <a:schemeClr val="tx1"/>
+          </a:fontRef>
+        </p:style>
+      </p:cxnSp>
+      <p:sp>
+        <p:nvSpPr>
+          <p:cNvPr id="6" name="Овал 5"/>
+          <p:cNvSpPr/>
+          <p:nvPr/>
+        </p:nvSpPr>
+        <p:spPr>
+          <a:xfrm>
+            <a:off x="5226518" y="3907857"/>
+            <a:ext cx="2128610" cy="388569"/>
+          </a:xfrm>
+          <a:prstGeom prst="ellipse">
+            <a:avLst/>
+          </a:prstGeom>
+          <a:noFill/>
+          <a:ln w="38100">
+            <a:solidFill>
+              <a:schemeClr val="accent2">
+                <a:lumMod val="60000"/>
+                <a:lumOff val="40000"/>
+              </a:schemeClr>
+            </a:solidFill>
+          </a:ln>
+        </p:spPr>
+        <p:style>
+          <a:lnRef idx="0">
+            <a:scrgbClr r="0" g="0" b="0"/>
+          </a:lnRef>
+          <a:fillRef idx="0">
+            <a:scrgbClr r="0" g="0" b="0"/>
+          </a:fillRef>
+          <a:effectRef idx="0">
+            <a:scrgbClr r="0" g="0" b="0"/>
+          </a:effectRef>
+          <a:fontRef idx="minor">
+            <a:schemeClr val="accent2"/>
+          </a:fontRef>
+        </p:style>
+        <p:txBody>
+          <a:bodyPr rtlCol="0" anchor="ctr"/>
+          <a:lstStyle/>
+          <a:p>
+            <a:pPr algn="ctr"/>
+            <a:endParaRPr lang="ru-RU" dirty="0"/>
+          </a:p>
+        </p:txBody>
+      </p:sp>
+      <p:sp>
+        <p:nvSpPr>
+          <p:cNvPr id="7" name="Овал 6"/>
+          <p:cNvSpPr/>
+          <p:nvPr/>
+        </p:nvSpPr>
+        <p:spPr>
+          <a:xfrm>
+            <a:off x="5226518" y="4296426"/>
+            <a:ext cx="2128610" cy="322114"/>
+          </a:xfrm>
+          <a:prstGeom prst="ellipse">
+            <a:avLst/>
+          </a:prstGeom>
+          <a:noFill/>
+          <a:ln w="38100">
+            <a:solidFill>
+              <a:schemeClr val="accent2">
+                <a:lumMod val="60000"/>
+                <a:lumOff val="40000"/>
+              </a:schemeClr>
+            </a:solidFill>
+          </a:ln>
+        </p:spPr>
+        <p:style>
+          <a:lnRef idx="0">
+            <a:scrgbClr r="0" g="0" b="0"/>
+          </a:lnRef>
+          <a:fillRef idx="0">
+            <a:scrgbClr r="0" g="0" b="0"/>
+          </a:fillRef>
+          <a:effectRef idx="0">
+            <a:scrgbClr r="0" g="0" b="0"/>
+          </a:effectRef>
+          <a:fontRef idx="minor">
+            <a:schemeClr val="accent2"/>
+          </a:fontRef>
+        </p:style>
+        <p:txBody>
+          <a:bodyPr rtlCol="0" anchor="ctr"/>
+          <a:lstStyle/>
+          <a:p>
+            <a:pPr algn="ctr"/>
+            <a:endParaRPr lang="ru-RU" dirty="0"/>
+          </a:p>
+        </p:txBody>
+      </p:sp>
+      <p:sp>
+        <p:nvSpPr>
+          <p:cNvPr id="8" name="Овал 7"/>
+          <p:cNvSpPr/>
+          <p:nvPr/>
+        </p:nvSpPr>
+        <p:spPr>
+          <a:xfrm>
+            <a:off x="5226518" y="4606657"/>
+            <a:ext cx="2128610" cy="322114"/>
+          </a:xfrm>
+          <a:prstGeom prst="ellipse">
+            <a:avLst/>
+          </a:prstGeom>
+          <a:noFill/>
+          <a:ln w="38100">
+            <a:solidFill>
+              <a:srgbClr val="FF0000"/>
+            </a:solidFill>
+          </a:ln>
+        </p:spPr>
+        <p:style>
+          <a:lnRef idx="0">
+            <a:scrgbClr r="0" g="0" b="0"/>
+          </a:lnRef>
+          <a:fillRef idx="0">
+            <a:scrgbClr r="0" g="0" b="0"/>
+          </a:fillRef>
+          <a:effectRef idx="0">
+            <a:scrgbClr r="0" g="0" b="0"/>
+          </a:effectRef>
+          <a:fontRef idx="minor">
+            <a:schemeClr val="accent2"/>
+          </a:fontRef>
+        </p:style>
+        <p:txBody>
+          <a:bodyPr rtlCol="0" anchor="ctr"/>
+          <a:lstStyle/>
+          <a:p>
+            <a:pPr algn="ctr"/>
+            <a:endParaRPr lang="ru-RU" dirty="0"/>
+          </a:p>
+        </p:txBody>
+      </p:sp>
     </p:spTree>
     <p:extLst>
       <p:ext uri="{BB962C8B-B14F-4D97-AF65-F5344CB8AC3E}">
@@ -3344,10 +4533,34 @@
           <a:chExt cx="0" cy="0"/>
         </a:xfrm>
       </p:grpSpPr>
+      <p:pic>
+        <p:nvPicPr>
+          <p:cNvPr id="4" name="Рисунок 3"/>
+          <p:cNvPicPr>
+            <a:picLocks noChangeAspect="1"/>
+          </p:cNvPicPr>
+          <p:nvPr/>
+        </p:nvPicPr>
+        <p:blipFill>
+          <a:blip r:embed="rId2"/>
+          <a:stretch>
+            <a:fillRect/>
+          </a:stretch>
+        </p:blipFill>
+        <p:spPr>
+          <a:xfrm>
+            <a:off x="1456523" y="1481337"/>
+            <a:ext cx="9124950" cy="3933825"/>
+          </a:xfrm>
+          <a:prstGeom prst="rect">
+            <a:avLst/>
+          </a:prstGeom>
+        </p:spPr>
+      </p:pic>
     </p:spTree>
     <p:extLst>
       <p:ext uri="{BB962C8B-B14F-4D97-AF65-F5344CB8AC3E}">
-        <p14:creationId xmlns:p14="http://schemas.microsoft.com/office/powerpoint/2010/main" val="939394726"/>
+        <p14:creationId xmlns:p14="http://schemas.microsoft.com/office/powerpoint/2010/main" val="2296551219"/>
       </p:ext>
     </p:extLst>
   </p:cSld>
@@ -3374,70 +4587,149 @@
           <a:chExt cx="0" cy="0"/>
         </a:xfrm>
       </p:grpSpPr>
+      <p:pic>
+        <p:nvPicPr>
+          <p:cNvPr id="2" name="Рисунок 1"/>
+          <p:cNvPicPr>
+            <a:picLocks noChangeAspect="1"/>
+          </p:cNvPicPr>
+          <p:nvPr/>
+        </p:nvPicPr>
+        <p:blipFill>
+          <a:blip r:embed="rId2"/>
+          <a:stretch>
+            <a:fillRect/>
+          </a:stretch>
+        </p:blipFill>
+        <p:spPr>
+          <a:xfrm>
+            <a:off x="2147887" y="2729413"/>
+            <a:ext cx="7896225" cy="3629025"/>
+          </a:xfrm>
+          <a:prstGeom prst="rect">
+            <a:avLst/>
+          </a:prstGeom>
+        </p:spPr>
+      </p:pic>
+      <p:sp>
+        <p:nvSpPr>
+          <p:cNvPr id="4" name="Прямоугольник 3"/>
+          <p:cNvSpPr/>
+          <p:nvPr/>
+        </p:nvSpPr>
+        <p:spPr>
+          <a:xfrm>
+            <a:off x="1643513" y="1021945"/>
+            <a:ext cx="8478252" cy="1477328"/>
+          </a:xfrm>
+          <a:prstGeom prst="rect">
+            <a:avLst/>
+          </a:prstGeom>
+        </p:spPr>
+        <p:style>
+          <a:lnRef idx="2">
+            <a:schemeClr val="accent5"/>
+          </a:lnRef>
+          <a:fillRef idx="1">
+            <a:schemeClr val="lt1"/>
+          </a:fillRef>
+          <a:effectRef idx="0">
+            <a:schemeClr val="accent5"/>
+          </a:effectRef>
+          <a:fontRef idx="minor">
+            <a:schemeClr val="dk1"/>
+          </a:fontRef>
+        </p:style>
+        <p:txBody>
+          <a:bodyPr wrap="square">
+            <a:spAutoFit/>
+          </a:bodyPr>
+          <a:lstStyle/>
+          <a:p>
+            <a:pPr algn="ctr"/>
+            <a:r>
+              <a:rPr lang="ru-RU" b="1" dirty="0" smtClean="0">
+                <a:solidFill>
+                  <a:srgbClr val="FF0000"/>
+                </a:solidFill>
+              </a:rPr>
+              <a:t>Таким образом</a:t>
+            </a:r>
+            <a:r>
+              <a:rPr lang="ru-RU" b="1" dirty="0" smtClean="0">
+                <a:solidFill>
+                  <a:srgbClr val="FF0000"/>
+                </a:solidFill>
+              </a:rPr>
+              <a:t>,</a:t>
+            </a:r>
+            <a:r>
+              <a:rPr lang="ru-RU" dirty="0" smtClean="0"/>
+              <a:t> </a:t>
+            </a:r>
+            <a:r>
+              <a:rPr lang="ru-RU" dirty="0"/>
+              <a:t>Цифроаналоговый преобразователь (ЦАП) преобразует цифровую информацию в </a:t>
+            </a:r>
+            <a:r>
+              <a:rPr lang="ru-RU" dirty="0" smtClean="0"/>
+              <a:t>аналоговую</a:t>
+            </a:r>
+            <a:r>
+              <a:rPr lang="ru-RU" dirty="0"/>
+              <a:t> В цифровой технике информация существует чаще всего в бинарном </a:t>
+            </a:r>
+            <a:r>
+              <a:rPr lang="ru-RU" dirty="0" smtClean="0"/>
+              <a:t>виде</a:t>
+            </a:r>
+            <a:r>
+              <a:rPr lang="ru-RU" dirty="0"/>
+              <a:t>, который кодируется по определенному коду</a:t>
+            </a:r>
+            <a:r>
+              <a:rPr lang="ru-RU" dirty="0" smtClean="0"/>
+              <a:t>.</a:t>
+            </a:r>
+          </a:p>
+          <a:p>
+            <a:pPr algn="ctr"/>
+            <a:r>
+              <a:rPr lang="ru-RU" b="1" dirty="0" smtClean="0">
+                <a:solidFill>
+                  <a:srgbClr val="FF0000"/>
+                </a:solidFill>
+              </a:rPr>
+              <a:t>Каждому бинарному коду соответствует свое </a:t>
+            </a:r>
+            <a:r>
+              <a:rPr lang="ru-RU" b="1" dirty="0" err="1" smtClean="0">
+                <a:solidFill>
+                  <a:srgbClr val="FF0000"/>
+                </a:solidFill>
+              </a:rPr>
+              <a:t>напржение</a:t>
+            </a:r>
+            <a:r>
+              <a:rPr lang="ru-RU" b="1" dirty="0" smtClean="0">
+                <a:solidFill>
+                  <a:srgbClr val="FF0000"/>
+                </a:solidFill>
+              </a:rPr>
+              <a:t> (свой аналоговый эквивалент)</a:t>
+            </a:r>
+            <a:endParaRPr lang="ru-RU" b="1" dirty="0">
+              <a:solidFill>
+                <a:srgbClr val="FF0000"/>
+              </a:solidFill>
+            </a:endParaRPr>
+          </a:p>
+        </p:txBody>
+      </p:sp>
     </p:spTree>
     <p:extLst>
       <p:ext uri="{BB962C8B-B14F-4D97-AF65-F5344CB8AC3E}">
-        <p14:creationId xmlns:p14="http://schemas.microsoft.com/office/powerpoint/2010/main" val="2641556098"/>
-      </p:ext>
-    </p:extLst>
-  </p:cSld>
-  <p:clrMapOvr>
-    <a:masterClrMapping/>
-  </p:clrMapOvr>
-</p:sld>
-</file>
-
-<file path=ppt/slides/slide17.xml><?xml version="1.0" encoding="utf-8"?>
-<p:sld xmlns:a="http://schemas.openxmlformats.org/drawingml/2006/main" xmlns:r="http://schemas.openxmlformats.org/officeDocument/2006/relationships" xmlns:p="http://schemas.openxmlformats.org/presentationml/2006/main">
-  <p:cSld>
-    <p:spTree>
-      <p:nvGrpSpPr>
-        <p:cNvPr id="1" name=""/>
-        <p:cNvGrpSpPr/>
-        <p:nvPr/>
-      </p:nvGrpSpPr>
-      <p:grpSpPr>
-        <a:xfrm>
-          <a:off x="0" y="0"/>
-          <a:ext cx="0" cy="0"/>
-          <a:chOff x="0" y="0"/>
-          <a:chExt cx="0" cy="0"/>
-        </a:xfrm>
-      </p:grpSpPr>
-    </p:spTree>
-    <p:extLst>
-      <p:ext uri="{BB962C8B-B14F-4D97-AF65-F5344CB8AC3E}">
-        <p14:creationId xmlns:p14="http://schemas.microsoft.com/office/powerpoint/2010/main" val="2959268658"/>
-      </p:ext>
-    </p:extLst>
-  </p:cSld>
-  <p:clrMapOvr>
-    <a:masterClrMapping/>
-  </p:clrMapOvr>
-</p:sld>
-</file>
-
-<file path=ppt/slides/slide18.xml><?xml version="1.0" encoding="utf-8"?>
-<p:sld xmlns:a="http://schemas.openxmlformats.org/drawingml/2006/main" xmlns:r="http://schemas.openxmlformats.org/officeDocument/2006/relationships" xmlns:p="http://schemas.openxmlformats.org/presentationml/2006/main">
-  <p:cSld>
-    <p:spTree>
-      <p:nvGrpSpPr>
-        <p:cNvPr id="1" name=""/>
-        <p:cNvGrpSpPr/>
-        <p:nvPr/>
-      </p:nvGrpSpPr>
-      <p:grpSpPr>
-        <a:xfrm>
-          <a:off x="0" y="0"/>
-          <a:ext cx="0" cy="0"/>
-          <a:chOff x="0" y="0"/>
-          <a:chExt cx="0" cy="0"/>
-        </a:xfrm>
-      </p:grpSpPr>
-    </p:spTree>
-    <p:extLst>
-      <p:ext uri="{BB962C8B-B14F-4D97-AF65-F5344CB8AC3E}">
-        <p14:creationId xmlns:p14="http://schemas.microsoft.com/office/powerpoint/2010/main" val="780461329"/>
+        <p14:creationId xmlns:p14="http://schemas.microsoft.com/office/powerpoint/2010/main" val="939394726"/>
       </p:ext>
     </p:extLst>
   </p:cSld>
@@ -3613,11 +4905,7 @@
             <a:pPr algn="ctr"/>
             <a:r>
               <a:rPr lang="ru-RU" dirty="0" smtClean="0"/>
-              <a:t>во </a:t>
-            </a:r>
-            <a:r>
-              <a:rPr lang="ru-RU" dirty="0" smtClean="0"/>
-              <a:t>вкладке</a:t>
+              <a:t>во вкладке</a:t>
             </a:r>
           </a:p>
           <a:p>
@@ -3819,7 +5107,6 @@
               <a:rPr lang="ru-RU" dirty="0" smtClean="0"/>
               <a:t>Из вкладки</a:t>
             </a:r>
-            <a:endParaRPr lang="ru-RU" dirty="0" smtClean="0"/>
           </a:p>
           <a:p>
             <a:pPr algn="ctr"/>
@@ -3944,7 +5231,6 @@
               <a:rPr lang="ru-RU" dirty="0" smtClean="0"/>
               <a:t>з вкладки</a:t>
             </a:r>
-            <a:endParaRPr lang="ru-RU" dirty="0" smtClean="0"/>
           </a:p>
           <a:p>
             <a:pPr algn="ctr"/>
@@ -4179,11 +5465,7 @@
             <a:pPr algn="ctr"/>
             <a:r>
               <a:rPr lang="ru-RU" dirty="0" smtClean="0"/>
-              <a:t>и</a:t>
-            </a:r>
-            <a:r>
-              <a:rPr lang="ru-RU" dirty="0" smtClean="0"/>
-              <a:t>з вкладки</a:t>
+              <a:t>из вкладки</a:t>
             </a:r>
           </a:p>
           <a:p>
@@ -4599,6 +5881,564 @@
           <a:chExt cx="0" cy="0"/>
         </a:xfrm>
       </p:grpSpPr>
+      <p:pic>
+        <p:nvPicPr>
+          <p:cNvPr id="22" name="Рисунок 21"/>
+          <p:cNvPicPr>
+            <a:picLocks noChangeAspect="1"/>
+          </p:cNvPicPr>
+          <p:nvPr/>
+        </p:nvPicPr>
+        <p:blipFill>
+          <a:blip r:embed="rId2"/>
+          <a:stretch>
+            <a:fillRect/>
+          </a:stretch>
+        </p:blipFill>
+        <p:spPr>
+          <a:xfrm>
+            <a:off x="1185088" y="1157898"/>
+            <a:ext cx="10729150" cy="5380307"/>
+          </a:xfrm>
+          <a:prstGeom prst="rect">
+            <a:avLst/>
+          </a:prstGeom>
+        </p:spPr>
+      </p:pic>
+      <p:sp>
+        <p:nvSpPr>
+          <p:cNvPr id="3" name="Прямоугольник 2"/>
+          <p:cNvSpPr/>
+          <p:nvPr/>
+        </p:nvSpPr>
+        <p:spPr>
+          <a:xfrm>
+            <a:off x="3040581" y="587155"/>
+            <a:ext cx="6372607" cy="923330"/>
+          </a:xfrm>
+          <a:prstGeom prst="rect">
+            <a:avLst/>
+          </a:prstGeom>
+        </p:spPr>
+        <p:style>
+          <a:lnRef idx="2">
+            <a:schemeClr val="accent5"/>
+          </a:lnRef>
+          <a:fillRef idx="1">
+            <a:schemeClr val="lt1"/>
+          </a:fillRef>
+          <a:effectRef idx="0">
+            <a:schemeClr val="accent5"/>
+          </a:effectRef>
+          <a:fontRef idx="minor">
+            <a:schemeClr val="dk1"/>
+          </a:fontRef>
+        </p:style>
+        <p:txBody>
+          <a:bodyPr wrap="square">
+            <a:spAutoFit/>
+          </a:bodyPr>
+          <a:lstStyle/>
+          <a:p>
+            <a:pPr algn="ctr"/>
+            <a:r>
+              <a:rPr lang="ru-RU" b="1" dirty="0" smtClean="0">
+                <a:solidFill>
+                  <a:srgbClr val="FF0000"/>
+                </a:solidFill>
+              </a:rPr>
+              <a:t>Пронаблюдаем,</a:t>
+            </a:r>
+            <a:r>
+              <a:rPr lang="ru-RU" b="1" dirty="0" smtClean="0">
+                <a:solidFill>
+                  <a:srgbClr val="FF0000"/>
+                </a:solidFill>
+              </a:rPr>
+              <a:t> как ЦАП преобразует цифровой код(подаваемый на входы </a:t>
+            </a:r>
+            <a:r>
+              <a:rPr lang="en-US" b="1" dirty="0" smtClean="0">
+                <a:solidFill>
+                  <a:srgbClr val="FF0000"/>
+                </a:solidFill>
+              </a:rPr>
+              <a:t>SW1-SW8) </a:t>
+            </a:r>
+            <a:r>
+              <a:rPr lang="ru-RU" b="1" dirty="0" smtClean="0">
+                <a:solidFill>
+                  <a:srgbClr val="FF0000"/>
+                </a:solidFill>
+              </a:rPr>
+              <a:t>в аналоговый сигнал</a:t>
+            </a:r>
+          </a:p>
+          <a:p>
+            <a:pPr algn="ctr"/>
+            <a:r>
+              <a:rPr lang="ru-RU" b="1" dirty="0" smtClean="0">
+                <a:solidFill>
+                  <a:srgbClr val="FF0000"/>
+                </a:solidFill>
+              </a:rPr>
+              <a:t>(напряжение на вольтметре </a:t>
+            </a:r>
+            <a:r>
+              <a:rPr lang="en-US" b="1" dirty="0" smtClean="0">
+                <a:solidFill>
+                  <a:srgbClr val="FF0000"/>
+                </a:solidFill>
+              </a:rPr>
+              <a:t>U</a:t>
+            </a:r>
+            <a:r>
+              <a:rPr lang="ru-RU" b="1" dirty="0" err="1" smtClean="0">
+                <a:solidFill>
+                  <a:srgbClr val="FF0000"/>
+                </a:solidFill>
+              </a:rPr>
+              <a:t>вых</a:t>
+            </a:r>
+            <a:r>
+              <a:rPr lang="ru-RU" b="1" dirty="0" smtClean="0">
+                <a:solidFill>
+                  <a:srgbClr val="FF0000"/>
+                </a:solidFill>
+              </a:rPr>
+              <a:t>)</a:t>
+            </a:r>
+            <a:endParaRPr lang="ru-RU" b="1" dirty="0">
+              <a:solidFill>
+                <a:srgbClr val="FF0000"/>
+              </a:solidFill>
+            </a:endParaRPr>
+          </a:p>
+        </p:txBody>
+      </p:sp>
+      <p:cxnSp>
+        <p:nvCxnSpPr>
+          <p:cNvPr id="5" name="Прямая соединительная линия 4"/>
+          <p:cNvCxnSpPr/>
+          <p:nvPr/>
+        </p:nvCxnSpPr>
+        <p:spPr>
+          <a:xfrm flipV="1">
+            <a:off x="1776556" y="5070764"/>
+            <a:ext cx="3424844" cy="8312"/>
+          </a:xfrm>
+          <a:prstGeom prst="line">
+            <a:avLst/>
+          </a:prstGeom>
+          <a:ln w="38100">
+            <a:solidFill>
+              <a:srgbClr val="FF0000"/>
+            </a:solidFill>
+          </a:ln>
+        </p:spPr>
+        <p:style>
+          <a:lnRef idx="1">
+            <a:schemeClr val="accent1"/>
+          </a:lnRef>
+          <a:fillRef idx="0">
+            <a:schemeClr val="accent1"/>
+          </a:fillRef>
+          <a:effectRef idx="0">
+            <a:schemeClr val="accent1"/>
+          </a:effectRef>
+          <a:fontRef idx="minor">
+            <a:schemeClr val="tx1"/>
+          </a:fontRef>
+        </p:style>
+      </p:cxnSp>
+      <p:cxnSp>
+        <p:nvCxnSpPr>
+          <p:cNvPr id="7" name="Прямая со стрелкой 6"/>
+          <p:cNvCxnSpPr/>
+          <p:nvPr/>
+        </p:nvCxnSpPr>
+        <p:spPr>
+          <a:xfrm flipV="1">
+            <a:off x="1844045" y="3275217"/>
+            <a:ext cx="1431170" cy="1648352"/>
+          </a:xfrm>
+          <a:prstGeom prst="straightConnector1">
+            <a:avLst/>
+          </a:prstGeom>
+          <a:ln w="38100">
+            <a:solidFill>
+              <a:srgbClr val="FF0000"/>
+            </a:solidFill>
+            <a:tailEnd type="triangle"/>
+          </a:ln>
+        </p:spPr>
+        <p:style>
+          <a:lnRef idx="1">
+            <a:schemeClr val="accent1"/>
+          </a:lnRef>
+          <a:fillRef idx="0">
+            <a:schemeClr val="accent1"/>
+          </a:fillRef>
+          <a:effectRef idx="0">
+            <a:schemeClr val="accent1"/>
+          </a:effectRef>
+          <a:fontRef idx="minor">
+            <a:schemeClr val="tx1"/>
+          </a:fontRef>
+        </p:style>
+      </p:cxnSp>
+      <p:sp>
+        <p:nvSpPr>
+          <p:cNvPr id="11" name="Овал 10"/>
+          <p:cNvSpPr/>
+          <p:nvPr/>
+        </p:nvSpPr>
+        <p:spPr>
+          <a:xfrm>
+            <a:off x="5955189" y="2973678"/>
+            <a:ext cx="543389" cy="490208"/>
+          </a:xfrm>
+          <a:prstGeom prst="ellipse">
+            <a:avLst/>
+          </a:prstGeom>
+          <a:noFill/>
+          <a:ln w="38100">
+            <a:solidFill>
+              <a:srgbClr val="FF0000"/>
+            </a:solidFill>
+          </a:ln>
+        </p:spPr>
+        <p:style>
+          <a:lnRef idx="0">
+            <a:scrgbClr r="0" g="0" b="0"/>
+          </a:lnRef>
+          <a:fillRef idx="0">
+            <a:scrgbClr r="0" g="0" b="0"/>
+          </a:fillRef>
+          <a:effectRef idx="0">
+            <a:scrgbClr r="0" g="0" b="0"/>
+          </a:effectRef>
+          <a:fontRef idx="minor">
+            <a:schemeClr val="accent2"/>
+          </a:fontRef>
+        </p:style>
+        <p:txBody>
+          <a:bodyPr rtlCol="0" anchor="ctr"/>
+          <a:lstStyle/>
+          <a:p>
+            <a:pPr algn="ctr"/>
+            <a:endParaRPr lang="ru-RU"/>
+          </a:p>
+        </p:txBody>
+      </p:sp>
+      <p:sp>
+        <p:nvSpPr>
+          <p:cNvPr id="14" name="Овал 13"/>
+          <p:cNvSpPr/>
+          <p:nvPr/>
+        </p:nvSpPr>
+        <p:spPr>
+          <a:xfrm>
+            <a:off x="6549663" y="2971923"/>
+            <a:ext cx="543389" cy="490208"/>
+          </a:xfrm>
+          <a:prstGeom prst="ellipse">
+            <a:avLst/>
+          </a:prstGeom>
+          <a:noFill/>
+          <a:ln w="38100">
+            <a:solidFill>
+              <a:srgbClr val="FF0000"/>
+            </a:solidFill>
+          </a:ln>
+        </p:spPr>
+        <p:style>
+          <a:lnRef idx="0">
+            <a:scrgbClr r="0" g="0" b="0"/>
+          </a:lnRef>
+          <a:fillRef idx="0">
+            <a:scrgbClr r="0" g="0" b="0"/>
+          </a:fillRef>
+          <a:effectRef idx="0">
+            <a:scrgbClr r="0" g="0" b="0"/>
+          </a:effectRef>
+          <a:fontRef idx="minor">
+            <a:schemeClr val="accent2"/>
+          </a:fontRef>
+        </p:style>
+        <p:txBody>
+          <a:bodyPr rtlCol="0" anchor="ctr"/>
+          <a:lstStyle/>
+          <a:p>
+            <a:pPr algn="ctr"/>
+            <a:endParaRPr lang="ru-RU"/>
+          </a:p>
+        </p:txBody>
+      </p:sp>
+      <p:sp>
+        <p:nvSpPr>
+          <p:cNvPr id="16" name="Овал 15"/>
+          <p:cNvSpPr/>
+          <p:nvPr/>
+        </p:nvSpPr>
+        <p:spPr>
+          <a:xfrm>
+            <a:off x="5400614" y="2970661"/>
+            <a:ext cx="543389" cy="490208"/>
+          </a:xfrm>
+          <a:prstGeom prst="ellipse">
+            <a:avLst/>
+          </a:prstGeom>
+          <a:noFill/>
+          <a:ln w="38100">
+            <a:solidFill>
+              <a:srgbClr val="FF0000"/>
+            </a:solidFill>
+          </a:ln>
+        </p:spPr>
+        <p:style>
+          <a:lnRef idx="0">
+            <a:scrgbClr r="0" g="0" b="0"/>
+          </a:lnRef>
+          <a:fillRef idx="0">
+            <a:scrgbClr r="0" g="0" b="0"/>
+          </a:fillRef>
+          <a:effectRef idx="0">
+            <a:scrgbClr r="0" g="0" b="0"/>
+          </a:effectRef>
+          <a:fontRef idx="minor">
+            <a:schemeClr val="accent2"/>
+          </a:fontRef>
+        </p:style>
+        <p:txBody>
+          <a:bodyPr rtlCol="0" anchor="ctr"/>
+          <a:lstStyle/>
+          <a:p>
+            <a:pPr algn="ctr"/>
+            <a:endParaRPr lang="ru-RU"/>
+          </a:p>
+        </p:txBody>
+      </p:sp>
+      <p:sp>
+        <p:nvSpPr>
+          <p:cNvPr id="17" name="Овал 16"/>
+          <p:cNvSpPr/>
+          <p:nvPr/>
+        </p:nvSpPr>
+        <p:spPr>
+          <a:xfrm>
+            <a:off x="4904509" y="2970661"/>
+            <a:ext cx="543389" cy="490208"/>
+          </a:xfrm>
+          <a:prstGeom prst="ellipse">
+            <a:avLst/>
+          </a:prstGeom>
+          <a:noFill/>
+          <a:ln w="38100">
+            <a:solidFill>
+              <a:srgbClr val="FF0000"/>
+            </a:solidFill>
+          </a:ln>
+        </p:spPr>
+        <p:style>
+          <a:lnRef idx="0">
+            <a:scrgbClr r="0" g="0" b="0"/>
+          </a:lnRef>
+          <a:fillRef idx="0">
+            <a:scrgbClr r="0" g="0" b="0"/>
+          </a:fillRef>
+          <a:effectRef idx="0">
+            <a:scrgbClr r="0" g="0" b="0"/>
+          </a:effectRef>
+          <a:fontRef idx="minor">
+            <a:schemeClr val="accent2"/>
+          </a:fontRef>
+        </p:style>
+        <p:txBody>
+          <a:bodyPr rtlCol="0" anchor="ctr"/>
+          <a:lstStyle/>
+          <a:p>
+            <a:pPr algn="ctr"/>
+            <a:endParaRPr lang="ru-RU"/>
+          </a:p>
+        </p:txBody>
+      </p:sp>
+      <p:sp>
+        <p:nvSpPr>
+          <p:cNvPr id="18" name="Овал 17"/>
+          <p:cNvSpPr/>
+          <p:nvPr/>
+        </p:nvSpPr>
+        <p:spPr>
+          <a:xfrm>
+            <a:off x="4369049" y="2970661"/>
+            <a:ext cx="543389" cy="490208"/>
+          </a:xfrm>
+          <a:prstGeom prst="ellipse">
+            <a:avLst/>
+          </a:prstGeom>
+          <a:noFill/>
+          <a:ln w="38100">
+            <a:solidFill>
+              <a:srgbClr val="FF0000"/>
+            </a:solidFill>
+          </a:ln>
+        </p:spPr>
+        <p:style>
+          <a:lnRef idx="0">
+            <a:scrgbClr r="0" g="0" b="0"/>
+          </a:lnRef>
+          <a:fillRef idx="0">
+            <a:scrgbClr r="0" g="0" b="0"/>
+          </a:fillRef>
+          <a:effectRef idx="0">
+            <a:scrgbClr r="0" g="0" b="0"/>
+          </a:effectRef>
+          <a:fontRef idx="minor">
+            <a:schemeClr val="accent2"/>
+          </a:fontRef>
+        </p:style>
+        <p:txBody>
+          <a:bodyPr rtlCol="0" anchor="ctr"/>
+          <a:lstStyle/>
+          <a:p>
+            <a:pPr algn="ctr"/>
+            <a:endParaRPr lang="ru-RU"/>
+          </a:p>
+        </p:txBody>
+      </p:sp>
+      <p:sp>
+        <p:nvSpPr>
+          <p:cNvPr id="19" name="Овал 18"/>
+          <p:cNvSpPr/>
+          <p:nvPr/>
+        </p:nvSpPr>
+        <p:spPr>
+          <a:xfrm>
+            <a:off x="3880873" y="2970661"/>
+            <a:ext cx="543389" cy="490208"/>
+          </a:xfrm>
+          <a:prstGeom prst="ellipse">
+            <a:avLst/>
+          </a:prstGeom>
+          <a:noFill/>
+          <a:ln w="38100">
+            <a:solidFill>
+              <a:srgbClr val="FF0000"/>
+            </a:solidFill>
+          </a:ln>
+        </p:spPr>
+        <p:style>
+          <a:lnRef idx="0">
+            <a:scrgbClr r="0" g="0" b="0"/>
+          </a:lnRef>
+          <a:fillRef idx="0">
+            <a:scrgbClr r="0" g="0" b="0"/>
+          </a:fillRef>
+          <a:effectRef idx="0">
+            <a:scrgbClr r="0" g="0" b="0"/>
+          </a:effectRef>
+          <a:fontRef idx="minor">
+            <a:schemeClr val="accent2"/>
+          </a:fontRef>
+        </p:style>
+        <p:txBody>
+          <a:bodyPr rtlCol="0" anchor="ctr"/>
+          <a:lstStyle/>
+          <a:p>
+            <a:pPr algn="ctr"/>
+            <a:endParaRPr lang="ru-RU"/>
+          </a:p>
+        </p:txBody>
+      </p:sp>
+      <p:sp>
+        <p:nvSpPr>
+          <p:cNvPr id="20" name="Овал 19"/>
+          <p:cNvSpPr/>
+          <p:nvPr/>
+        </p:nvSpPr>
+        <p:spPr>
+          <a:xfrm>
+            <a:off x="3410148" y="2970661"/>
+            <a:ext cx="543389" cy="490208"/>
+          </a:xfrm>
+          <a:prstGeom prst="ellipse">
+            <a:avLst/>
+          </a:prstGeom>
+          <a:noFill/>
+          <a:ln w="38100">
+            <a:solidFill>
+              <a:srgbClr val="FF0000"/>
+            </a:solidFill>
+          </a:ln>
+        </p:spPr>
+        <p:style>
+          <a:lnRef idx="0">
+            <a:scrgbClr r="0" g="0" b="0"/>
+          </a:lnRef>
+          <a:fillRef idx="0">
+            <a:scrgbClr r="0" g="0" b="0"/>
+          </a:fillRef>
+          <a:effectRef idx="0">
+            <a:scrgbClr r="0" g="0" b="0"/>
+          </a:effectRef>
+          <a:fontRef idx="minor">
+            <a:schemeClr val="accent2"/>
+          </a:fontRef>
+        </p:style>
+        <p:txBody>
+          <a:bodyPr rtlCol="0" anchor="ctr"/>
+          <a:lstStyle/>
+          <a:p>
+            <a:pPr algn="ctr"/>
+            <a:endParaRPr lang="ru-RU"/>
+          </a:p>
+        </p:txBody>
+      </p:sp>
+      <p:sp>
+        <p:nvSpPr>
+          <p:cNvPr id="21" name="Овал 20"/>
+          <p:cNvSpPr/>
+          <p:nvPr/>
+        </p:nvSpPr>
+        <p:spPr>
+          <a:xfrm>
+            <a:off x="2945589" y="2971923"/>
+            <a:ext cx="543389" cy="490208"/>
+          </a:xfrm>
+          <a:prstGeom prst="ellipse">
+            <a:avLst/>
+          </a:prstGeom>
+          <a:noFill/>
+          <a:ln w="38100">
+            <a:solidFill>
+              <a:srgbClr val="FF0000"/>
+            </a:solidFill>
+          </a:ln>
+        </p:spPr>
+        <p:style>
+          <a:lnRef idx="0">
+            <a:scrgbClr r="0" g="0" b="0"/>
+          </a:lnRef>
+          <a:fillRef idx="0">
+            <a:scrgbClr r="0" g="0" b="0"/>
+          </a:fillRef>
+          <a:effectRef idx="0">
+            <a:scrgbClr r="0" g="0" b="0"/>
+          </a:effectRef>
+          <a:fontRef idx="minor">
+            <a:schemeClr val="accent2"/>
+          </a:fontRef>
+        </p:style>
+        <p:txBody>
+          <a:bodyPr rtlCol="0" anchor="ctr"/>
+          <a:lstStyle/>
+          <a:p>
+            <a:pPr algn="ctr"/>
+            <a:endParaRPr lang="ru-RU"/>
+          </a:p>
+        </p:txBody>
+      </p:sp>
     </p:spTree>
     <p:extLst>
       <p:ext uri="{BB962C8B-B14F-4D97-AF65-F5344CB8AC3E}">
@@ -4629,6 +6469,145 @@
           <a:chExt cx="0" cy="0"/>
         </a:xfrm>
       </p:grpSpPr>
+      <p:pic>
+        <p:nvPicPr>
+          <p:cNvPr id="2" name="Рисунок 1"/>
+          <p:cNvPicPr>
+            <a:picLocks noChangeAspect="1"/>
+          </p:cNvPicPr>
+          <p:nvPr/>
+        </p:nvPicPr>
+        <p:blipFill>
+          <a:blip r:embed="rId2"/>
+          <a:stretch>
+            <a:fillRect/>
+          </a:stretch>
+        </p:blipFill>
+        <p:spPr>
+          <a:xfrm>
+            <a:off x="1028700" y="1008063"/>
+            <a:ext cx="10342562" cy="5186446"/>
+          </a:xfrm>
+          <a:prstGeom prst="rect">
+            <a:avLst/>
+          </a:prstGeom>
+        </p:spPr>
+      </p:pic>
+      <p:sp>
+        <p:nvSpPr>
+          <p:cNvPr id="3" name="Овал 2"/>
+          <p:cNvSpPr/>
+          <p:nvPr/>
+        </p:nvSpPr>
+        <p:spPr>
+          <a:xfrm>
+            <a:off x="2069690" y="2201902"/>
+            <a:ext cx="1068146" cy="490208"/>
+          </a:xfrm>
+          <a:prstGeom prst="ellipse">
+            <a:avLst/>
+          </a:prstGeom>
+          <a:noFill/>
+          <a:ln w="38100">
+            <a:solidFill>
+              <a:srgbClr val="FF0000"/>
+            </a:solidFill>
+          </a:ln>
+        </p:spPr>
+        <p:style>
+          <a:lnRef idx="0">
+            <a:scrgbClr r="0" g="0" b="0"/>
+          </a:lnRef>
+          <a:fillRef idx="0">
+            <a:scrgbClr r="0" g="0" b="0"/>
+          </a:fillRef>
+          <a:effectRef idx="0">
+            <a:scrgbClr r="0" g="0" b="0"/>
+          </a:effectRef>
+          <a:fontRef idx="minor">
+            <a:schemeClr val="accent2"/>
+          </a:fontRef>
+        </p:style>
+        <p:txBody>
+          <a:bodyPr rtlCol="0" anchor="ctr"/>
+          <a:lstStyle/>
+          <a:p>
+            <a:pPr algn="ctr"/>
+            <a:endParaRPr lang="ru-RU"/>
+          </a:p>
+        </p:txBody>
+      </p:sp>
+      <p:cxnSp>
+        <p:nvCxnSpPr>
+          <p:cNvPr id="4" name="Прямая со стрелкой 3"/>
+          <p:cNvCxnSpPr/>
+          <p:nvPr/>
+        </p:nvCxnSpPr>
+        <p:spPr>
+          <a:xfrm flipV="1">
+            <a:off x="1607419" y="2800953"/>
+            <a:ext cx="462271" cy="2021304"/>
+          </a:xfrm>
+          <a:prstGeom prst="straightConnector1">
+            <a:avLst/>
+          </a:prstGeom>
+          <a:ln w="38100">
+            <a:solidFill>
+              <a:srgbClr val="FF0000"/>
+            </a:solidFill>
+            <a:tailEnd type="triangle"/>
+          </a:ln>
+        </p:spPr>
+        <p:style>
+          <a:lnRef idx="1">
+            <a:schemeClr val="accent1"/>
+          </a:lnRef>
+          <a:fillRef idx="0">
+            <a:schemeClr val="accent1"/>
+          </a:fillRef>
+          <a:effectRef idx="0">
+            <a:schemeClr val="accent1"/>
+          </a:effectRef>
+          <a:fontRef idx="minor">
+            <a:schemeClr val="tx1"/>
+          </a:fontRef>
+        </p:style>
+      </p:cxnSp>
+      <p:cxnSp>
+        <p:nvCxnSpPr>
+          <p:cNvPr id="7" name="Прямая соединительная линия 6"/>
+          <p:cNvCxnSpPr/>
+          <p:nvPr/>
+        </p:nvCxnSpPr>
+        <p:spPr>
+          <a:xfrm flipV="1">
+            <a:off x="1526300" y="4931100"/>
+            <a:ext cx="3738719" cy="8312"/>
+          </a:xfrm>
+          <a:prstGeom prst="line">
+            <a:avLst/>
+          </a:prstGeom>
+          <a:ln w="38100">
+            <a:solidFill>
+              <a:srgbClr val="FF0000"/>
+            </a:solidFill>
+          </a:ln>
+        </p:spPr>
+        <p:style>
+          <a:lnRef idx="1">
+            <a:schemeClr val="accent1"/>
+          </a:lnRef>
+          <a:fillRef idx="0">
+            <a:schemeClr val="accent1"/>
+          </a:fillRef>
+          <a:effectRef idx="0">
+            <a:schemeClr val="accent1"/>
+          </a:effectRef>
+          <a:fontRef idx="minor">
+            <a:schemeClr val="tx1"/>
+          </a:fontRef>
+        </p:style>
+      </p:cxnSp>
     </p:spTree>
     <p:extLst>
       <p:ext uri="{BB962C8B-B14F-4D97-AF65-F5344CB8AC3E}">
@@ -4659,6 +6638,145 @@
           <a:chExt cx="0" cy="0"/>
         </a:xfrm>
       </p:grpSpPr>
+      <p:pic>
+        <p:nvPicPr>
+          <p:cNvPr id="2" name="Рисунок 1"/>
+          <p:cNvPicPr>
+            <a:picLocks noChangeAspect="1"/>
+          </p:cNvPicPr>
+          <p:nvPr/>
+        </p:nvPicPr>
+        <p:blipFill>
+          <a:blip r:embed="rId2"/>
+          <a:stretch>
+            <a:fillRect/>
+          </a:stretch>
+        </p:blipFill>
+        <p:spPr>
+          <a:xfrm>
+            <a:off x="1310348" y="972766"/>
+            <a:ext cx="9671306" cy="4961106"/>
+          </a:xfrm>
+          <a:prstGeom prst="rect">
+            <a:avLst/>
+          </a:prstGeom>
+        </p:spPr>
+      </p:pic>
+      <p:sp>
+        <p:nvSpPr>
+          <p:cNvPr id="3" name="Овал 2"/>
+          <p:cNvSpPr/>
+          <p:nvPr/>
+        </p:nvSpPr>
+        <p:spPr>
+          <a:xfrm>
+            <a:off x="5146261" y="846666"/>
+            <a:ext cx="712672" cy="473843"/>
+          </a:xfrm>
+          <a:prstGeom prst="ellipse">
+            <a:avLst/>
+          </a:prstGeom>
+          <a:noFill/>
+          <a:ln w="38100">
+            <a:solidFill>
+              <a:srgbClr val="FF0000"/>
+            </a:solidFill>
+          </a:ln>
+        </p:spPr>
+        <p:style>
+          <a:lnRef idx="0">
+            <a:scrgbClr r="0" g="0" b="0"/>
+          </a:lnRef>
+          <a:fillRef idx="0">
+            <a:scrgbClr r="0" g="0" b="0"/>
+          </a:fillRef>
+          <a:effectRef idx="0">
+            <a:scrgbClr r="0" g="0" b="0"/>
+          </a:effectRef>
+          <a:fontRef idx="minor">
+            <a:schemeClr val="accent2"/>
+          </a:fontRef>
+        </p:style>
+        <p:txBody>
+          <a:bodyPr rtlCol="0" anchor="ctr"/>
+          <a:lstStyle/>
+          <a:p>
+            <a:pPr algn="ctr"/>
+            <a:endParaRPr lang="ru-RU"/>
+          </a:p>
+        </p:txBody>
+      </p:sp>
+      <p:cxnSp>
+        <p:nvCxnSpPr>
+          <p:cNvPr id="4" name="Прямая со стрелкой 3"/>
+          <p:cNvCxnSpPr/>
+          <p:nvPr/>
+        </p:nvCxnSpPr>
+        <p:spPr>
+          <a:xfrm flipV="1">
+            <a:off x="2005352" y="1320509"/>
+            <a:ext cx="3140909" cy="3611815"/>
+          </a:xfrm>
+          <a:prstGeom prst="straightConnector1">
+            <a:avLst/>
+          </a:prstGeom>
+          <a:ln w="38100">
+            <a:solidFill>
+              <a:srgbClr val="FF0000"/>
+            </a:solidFill>
+            <a:tailEnd type="triangle"/>
+          </a:ln>
+        </p:spPr>
+        <p:style>
+          <a:lnRef idx="1">
+            <a:schemeClr val="accent1"/>
+          </a:lnRef>
+          <a:fillRef idx="0">
+            <a:schemeClr val="accent1"/>
+          </a:fillRef>
+          <a:effectRef idx="0">
+            <a:schemeClr val="accent1"/>
+          </a:effectRef>
+          <a:fontRef idx="minor">
+            <a:schemeClr val="tx1"/>
+          </a:fontRef>
+        </p:style>
+      </p:cxnSp>
+      <p:cxnSp>
+        <p:nvCxnSpPr>
+          <p:cNvPr id="6" name="Прямая соединительная линия 5"/>
+          <p:cNvCxnSpPr/>
+          <p:nvPr/>
+        </p:nvCxnSpPr>
+        <p:spPr>
+          <a:xfrm>
+            <a:off x="1721033" y="5049957"/>
+            <a:ext cx="1106834" cy="0"/>
+          </a:xfrm>
+          <a:prstGeom prst="line">
+            <a:avLst/>
+          </a:prstGeom>
+          <a:ln w="38100">
+            <a:solidFill>
+              <a:srgbClr val="FF0000"/>
+            </a:solidFill>
+          </a:ln>
+        </p:spPr>
+        <p:style>
+          <a:lnRef idx="1">
+            <a:schemeClr val="accent1"/>
+          </a:lnRef>
+          <a:fillRef idx="0">
+            <a:schemeClr val="accent1"/>
+          </a:fillRef>
+          <a:effectRef idx="0">
+            <a:schemeClr val="accent1"/>
+          </a:effectRef>
+          <a:fontRef idx="minor">
+            <a:schemeClr val="tx1"/>
+          </a:fontRef>
+        </p:style>
+      </p:cxnSp>
     </p:spTree>
     <p:extLst>
       <p:ext uri="{BB962C8B-B14F-4D97-AF65-F5344CB8AC3E}">
